--- a/docs/images/Figures.pptx
+++ b/docs/images/Figures.pptx
@@ -310,7 +310,7 @@
           <a:p>
             <a:fld id="{530820CF-B880-4189-942D-D702A7CBA730}" type="datetimeFigureOut">
               <a:rPr lang="zh-CN" altLang="en-US" smtClean="0"/>
-              <a:t>2017/7/28</a:t>
+              <a:t>2022/1/28</a:t>
             </a:fld>
             <a:endParaRPr lang="zh-CN" altLang="en-US"/>
           </a:p>
@@ -473,7 +473,7 @@
           <a:p>
             <a:fld id="{530820CF-B880-4189-942D-D702A7CBA730}" type="datetimeFigureOut">
               <a:rPr lang="zh-CN" altLang="en-US" smtClean="0"/>
-              <a:t>2017/7/28</a:t>
+              <a:t>2022/1/28</a:t>
             </a:fld>
             <a:endParaRPr lang="zh-CN" altLang="en-US"/>
           </a:p>
@@ -646,7 +646,7 @@
           <a:p>
             <a:fld id="{530820CF-B880-4189-942D-D702A7CBA730}" type="datetimeFigureOut">
               <a:rPr lang="zh-CN" altLang="en-US" smtClean="0"/>
-              <a:t>2017/7/28</a:t>
+              <a:t>2022/1/28</a:t>
             </a:fld>
             <a:endParaRPr lang="zh-CN" altLang="en-US"/>
           </a:p>
@@ -809,7 +809,7 @@
           <a:p>
             <a:fld id="{530820CF-B880-4189-942D-D702A7CBA730}" type="datetimeFigureOut">
               <a:rPr lang="zh-CN" altLang="en-US" smtClean="0"/>
-              <a:t>2017/7/28</a:t>
+              <a:t>2022/1/28</a:t>
             </a:fld>
             <a:endParaRPr lang="zh-CN" altLang="en-US"/>
           </a:p>
@@ -1049,7 +1049,7 @@
           <a:p>
             <a:fld id="{530820CF-B880-4189-942D-D702A7CBA730}" type="datetimeFigureOut">
               <a:rPr lang="zh-CN" altLang="en-US" smtClean="0"/>
-              <a:t>2017/7/28</a:t>
+              <a:t>2022/1/28</a:t>
             </a:fld>
             <a:endParaRPr lang="zh-CN" altLang="en-US"/>
           </a:p>
@@ -1329,7 +1329,7 @@
           <a:p>
             <a:fld id="{530820CF-B880-4189-942D-D702A7CBA730}" type="datetimeFigureOut">
               <a:rPr lang="zh-CN" altLang="en-US" smtClean="0"/>
-              <a:t>2017/7/28</a:t>
+              <a:t>2022/1/28</a:t>
             </a:fld>
             <a:endParaRPr lang="zh-CN" altLang="en-US"/>
           </a:p>
@@ -1743,7 +1743,7 @@
           <a:p>
             <a:fld id="{530820CF-B880-4189-942D-D702A7CBA730}" type="datetimeFigureOut">
               <a:rPr lang="zh-CN" altLang="en-US" smtClean="0"/>
-              <a:t>2017/7/28</a:t>
+              <a:t>2022/1/28</a:t>
             </a:fld>
             <a:endParaRPr lang="zh-CN" altLang="en-US"/>
           </a:p>
@@ -1855,7 +1855,7 @@
           <a:p>
             <a:fld id="{530820CF-B880-4189-942D-D702A7CBA730}" type="datetimeFigureOut">
               <a:rPr lang="zh-CN" altLang="en-US" smtClean="0"/>
-              <a:t>2017/7/28</a:t>
+              <a:t>2022/1/28</a:t>
             </a:fld>
             <a:endParaRPr lang="zh-CN" altLang="en-US"/>
           </a:p>
@@ -1945,7 +1945,7 @@
           <a:p>
             <a:fld id="{530820CF-B880-4189-942D-D702A7CBA730}" type="datetimeFigureOut">
               <a:rPr lang="zh-CN" altLang="en-US" smtClean="0"/>
-              <a:t>2017/7/28</a:t>
+              <a:t>2022/1/28</a:t>
             </a:fld>
             <a:endParaRPr lang="zh-CN" altLang="en-US"/>
           </a:p>
@@ -2215,7 +2215,7 @@
           <a:p>
             <a:fld id="{530820CF-B880-4189-942D-D702A7CBA730}" type="datetimeFigureOut">
               <a:rPr lang="zh-CN" altLang="en-US" smtClean="0"/>
-              <a:t>2017/7/28</a:t>
+              <a:t>2022/1/28</a:t>
             </a:fld>
             <a:endParaRPr lang="zh-CN" altLang="en-US"/>
           </a:p>
@@ -2462,7 +2462,7 @@
           <a:p>
             <a:fld id="{530820CF-B880-4189-942D-D702A7CBA730}" type="datetimeFigureOut">
               <a:rPr lang="zh-CN" altLang="en-US" smtClean="0"/>
-              <a:t>2017/7/28</a:t>
+              <a:t>2022/1/28</a:t>
             </a:fld>
             <a:endParaRPr lang="zh-CN" altLang="en-US"/>
           </a:p>
@@ -2668,7 +2668,7 @@
           <a:p>
             <a:fld id="{530820CF-B880-4189-942D-D702A7CBA730}" type="datetimeFigureOut">
               <a:rPr lang="zh-CN" altLang="en-US" smtClean="0"/>
-              <a:t>2017/7/28</a:t>
+              <a:t>2022/1/28</a:t>
             </a:fld>
             <a:endParaRPr lang="zh-CN" altLang="en-US"/>
           </a:p>
@@ -4373,6 +4373,399 @@
           <a:chExt cx="0" cy="0"/>
         </a:xfrm>
       </p:grpSpPr>
+      <p:grpSp>
+        <p:nvGrpSpPr>
+          <p:cNvPr id="13" name="Group 12"/>
+          <p:cNvGrpSpPr/>
+          <p:nvPr/>
+        </p:nvGrpSpPr>
+        <p:grpSpPr>
+          <a:xfrm>
+            <a:off x="352517" y="620688"/>
+            <a:ext cx="8290599" cy="5544616"/>
+            <a:chOff x="352517" y="620688"/>
+            <a:chExt cx="8290599" cy="5544616"/>
+          </a:xfrm>
+        </p:grpSpPr>
+        <p:sp>
+          <p:nvSpPr>
+            <p:cNvPr id="12" name="Rectangular Callout 11"/>
+            <p:cNvSpPr/>
+            <p:nvPr/>
+          </p:nvSpPr>
+          <p:spPr>
+            <a:xfrm>
+              <a:off x="352517" y="620688"/>
+              <a:ext cx="8290599" cy="1786480"/>
+            </a:xfrm>
+            <a:prstGeom prst="wedgeRectCallout">
+              <a:avLst>
+                <a:gd name="adj1" fmla="val -32550"/>
+                <a:gd name="adj2" fmla="val 67918"/>
+              </a:avLst>
+            </a:prstGeom>
+          </p:spPr>
+          <p:style>
+            <a:lnRef idx="2">
+              <a:schemeClr val="accent4"/>
+            </a:lnRef>
+            <a:fillRef idx="1">
+              <a:schemeClr val="lt1"/>
+            </a:fillRef>
+            <a:effectRef idx="0">
+              <a:schemeClr val="accent4"/>
+            </a:effectRef>
+            <a:fontRef idx="minor">
+              <a:schemeClr val="dk1"/>
+            </a:fontRef>
+          </p:style>
+          <p:txBody>
+            <a:bodyPr rtlCol="0" anchor="ctr"/>
+            <a:lstStyle/>
+            <a:p>
+              <a:pPr algn="ctr"/>
+              <a:endParaRPr lang="en-US"/>
+            </a:p>
+          </p:txBody>
+        </p:sp>
+        <p:sp>
+          <p:nvSpPr>
+            <p:cNvPr id="2" name="Flowchart: Process 1"/>
+            <p:cNvSpPr/>
+            <p:nvPr/>
+          </p:nvSpPr>
+          <p:spPr>
+            <a:xfrm>
+              <a:off x="755576" y="5301208"/>
+              <a:ext cx="7887540" cy="864096"/>
+            </a:xfrm>
+            <a:prstGeom prst="flowChartProcess">
+              <a:avLst/>
+            </a:prstGeom>
+            <a:solidFill>
+              <a:schemeClr val="accent4"/>
+            </a:solidFill>
+            <a:ln>
+              <a:noFill/>
+            </a:ln>
+          </p:spPr>
+          <p:style>
+            <a:lnRef idx="0">
+              <a:scrgbClr r="0" g="0" b="0"/>
+            </a:lnRef>
+            <a:fillRef idx="0">
+              <a:scrgbClr r="0" g="0" b="0"/>
+            </a:fillRef>
+            <a:effectRef idx="0">
+              <a:scrgbClr r="0" g="0" b="0"/>
+            </a:effectRef>
+            <a:fontRef idx="minor">
+              <a:schemeClr val="lt1"/>
+            </a:fontRef>
+          </p:style>
+          <p:txBody>
+            <a:bodyPr rtlCol="0" anchor="ctr"/>
+            <a:lstStyle/>
+            <a:p>
+              <a:pPr algn="ctr"/>
+              <a:r>
+                <a:rPr lang="en-US" dirty="0" smtClean="0"/>
+                <a:t>.NET Core 5 (Visual Basic.NET)</a:t>
+              </a:r>
+              <a:endParaRPr lang="en-US" dirty="0"/>
+            </a:p>
+          </p:txBody>
+        </p:sp>
+        <p:sp>
+          <p:nvSpPr>
+            <p:cNvPr id="3" name="Flowchart: Process 2"/>
+            <p:cNvSpPr/>
+            <p:nvPr/>
+          </p:nvSpPr>
+          <p:spPr>
+            <a:xfrm>
+              <a:off x="755576" y="4293096"/>
+              <a:ext cx="3855092" cy="864096"/>
+            </a:xfrm>
+            <a:prstGeom prst="flowChartProcess">
+              <a:avLst/>
+            </a:prstGeom>
+            <a:solidFill>
+              <a:schemeClr val="accent3"/>
+            </a:solidFill>
+            <a:ln>
+              <a:noFill/>
+            </a:ln>
+          </p:spPr>
+          <p:style>
+            <a:lnRef idx="0">
+              <a:scrgbClr r="0" g="0" b="0"/>
+            </a:lnRef>
+            <a:fillRef idx="0">
+              <a:scrgbClr r="0" g="0" b="0"/>
+            </a:fillRef>
+            <a:effectRef idx="0">
+              <a:scrgbClr r="0" g="0" b="0"/>
+            </a:effectRef>
+            <a:fontRef idx="minor">
+              <a:schemeClr val="lt1"/>
+            </a:fontRef>
+          </p:style>
+          <p:txBody>
+            <a:bodyPr rtlCol="0" anchor="ctr"/>
+            <a:lstStyle/>
+            <a:p>
+              <a:pPr algn="ctr"/>
+              <a:r>
+                <a:rPr lang="en-US" dirty="0" smtClean="0"/>
+                <a:t>R# Runtime Environment</a:t>
+              </a:r>
+              <a:endParaRPr lang="en-US" dirty="0"/>
+            </a:p>
+          </p:txBody>
+        </p:sp>
+        <p:sp>
+          <p:nvSpPr>
+            <p:cNvPr id="5" name="Cube 4"/>
+            <p:cNvSpPr/>
+            <p:nvPr/>
+          </p:nvSpPr>
+          <p:spPr>
+            <a:xfrm>
+              <a:off x="764352" y="2852936"/>
+              <a:ext cx="4134348" cy="1216152"/>
+            </a:xfrm>
+            <a:prstGeom prst="cube">
+              <a:avLst/>
+            </a:prstGeom>
+          </p:spPr>
+          <p:style>
+            <a:lnRef idx="1">
+              <a:schemeClr val="accent3"/>
+            </a:lnRef>
+            <a:fillRef idx="3">
+              <a:schemeClr val="accent3"/>
+            </a:fillRef>
+            <a:effectRef idx="2">
+              <a:schemeClr val="accent3"/>
+            </a:effectRef>
+            <a:fontRef idx="minor">
+              <a:schemeClr val="lt1"/>
+            </a:fontRef>
+          </p:style>
+          <p:txBody>
+            <a:bodyPr rtlCol="0" anchor="ctr"/>
+            <a:lstStyle/>
+            <a:p>
+              <a:pPr algn="ctr"/>
+              <a:r>
+                <a:rPr lang="en-US" dirty="0" smtClean="0"/>
+                <a:t>R# Common </a:t>
+              </a:r>
+              <a:r>
+                <a:rPr lang="en-US" dirty="0" err="1" smtClean="0"/>
+                <a:t>CodeDom</a:t>
+              </a:r>
+              <a:endParaRPr lang="en-US" dirty="0"/>
+            </a:p>
+          </p:txBody>
+        </p:sp>
+        <p:sp>
+          <p:nvSpPr>
+            <p:cNvPr id="7" name="Folded Corner 6"/>
+            <p:cNvSpPr/>
+            <p:nvPr/>
+          </p:nvSpPr>
+          <p:spPr>
+            <a:xfrm>
+              <a:off x="755576" y="1055984"/>
+              <a:ext cx="2198908" cy="914400"/>
+            </a:xfrm>
+            <a:prstGeom prst="foldedCorner">
+              <a:avLst/>
+            </a:prstGeom>
+          </p:spPr>
+          <p:style>
+            <a:lnRef idx="1">
+              <a:schemeClr val="accent4"/>
+            </a:lnRef>
+            <a:fillRef idx="3">
+              <a:schemeClr val="accent4"/>
+            </a:fillRef>
+            <a:effectRef idx="2">
+              <a:schemeClr val="accent4"/>
+            </a:effectRef>
+            <a:fontRef idx="minor">
+              <a:schemeClr val="lt1"/>
+            </a:fontRef>
+          </p:style>
+          <p:txBody>
+            <a:bodyPr rtlCol="0" anchor="ctr"/>
+            <a:lstStyle/>
+            <a:p>
+              <a:pPr algn="ctr"/>
+              <a:r>
+                <a:rPr lang="en-US" sz="4000" dirty="0" smtClean="0"/>
+                <a:t>R#</a:t>
+              </a:r>
+              <a:endParaRPr lang="en-US" sz="4000" dirty="0"/>
+            </a:p>
+          </p:txBody>
+        </p:sp>
+        <p:sp>
+          <p:nvSpPr>
+            <p:cNvPr id="8" name="Folded Corner 7"/>
+            <p:cNvSpPr/>
+            <p:nvPr/>
+          </p:nvSpPr>
+          <p:spPr>
+            <a:xfrm>
+              <a:off x="3494544" y="1055984"/>
+              <a:ext cx="2232248" cy="914400"/>
+            </a:xfrm>
+            <a:prstGeom prst="foldedCorner">
+              <a:avLst/>
+            </a:prstGeom>
+          </p:spPr>
+          <p:style>
+            <a:lnRef idx="1">
+              <a:schemeClr val="accent1"/>
+            </a:lnRef>
+            <a:fillRef idx="3">
+              <a:schemeClr val="accent1"/>
+            </a:fillRef>
+            <a:effectRef idx="2">
+              <a:schemeClr val="accent1"/>
+            </a:effectRef>
+            <a:fontRef idx="minor">
+              <a:schemeClr val="lt1"/>
+            </a:fontRef>
+          </p:style>
+          <p:txBody>
+            <a:bodyPr rtlCol="0" anchor="ctr"/>
+            <a:lstStyle/>
+            <a:p>
+              <a:pPr algn="ctr"/>
+              <a:r>
+                <a:rPr lang="en-US" sz="4000" dirty="0" smtClean="0"/>
+                <a:t>Python</a:t>
+              </a:r>
+              <a:endParaRPr lang="en-US" sz="4000" dirty="0"/>
+            </a:p>
+          </p:txBody>
+        </p:sp>
+        <p:sp>
+          <p:nvSpPr>
+            <p:cNvPr id="9" name="Folded Corner 8"/>
+            <p:cNvSpPr/>
+            <p:nvPr/>
+          </p:nvSpPr>
+          <p:spPr>
+            <a:xfrm>
+              <a:off x="6338860" y="1055984"/>
+              <a:ext cx="1872208" cy="914400"/>
+            </a:xfrm>
+            <a:prstGeom prst="foldedCorner">
+              <a:avLst/>
+            </a:prstGeom>
+          </p:spPr>
+          <p:style>
+            <a:lnRef idx="1">
+              <a:schemeClr val="accent2"/>
+            </a:lnRef>
+            <a:fillRef idx="3">
+              <a:schemeClr val="accent2"/>
+            </a:fillRef>
+            <a:effectRef idx="2">
+              <a:schemeClr val="accent2"/>
+            </a:effectRef>
+            <a:fontRef idx="minor">
+              <a:schemeClr val="lt1"/>
+            </a:fontRef>
+          </p:style>
+          <p:txBody>
+            <a:bodyPr rtlCol="0" anchor="ctr"/>
+            <a:lstStyle/>
+            <a:p>
+              <a:pPr algn="ctr"/>
+              <a:r>
+                <a:rPr lang="en-US" sz="4000" dirty="0" smtClean="0"/>
+                <a:t>Julia</a:t>
+              </a:r>
+              <a:endParaRPr lang="en-US" sz="4000" dirty="0"/>
+            </a:p>
+          </p:txBody>
+        </p:sp>
+        <p:sp>
+          <p:nvSpPr>
+            <p:cNvPr id="10" name="Rectangle 9"/>
+            <p:cNvSpPr/>
+            <p:nvPr/>
+          </p:nvSpPr>
+          <p:spPr>
+            <a:xfrm>
+              <a:off x="4699346" y="4293096"/>
+              <a:ext cx="3943770" cy="864096"/>
+            </a:xfrm>
+            <a:prstGeom prst="rect">
+              <a:avLst/>
+            </a:prstGeom>
+            <a:ln/>
+          </p:spPr>
+          <p:style>
+            <a:lnRef idx="2">
+              <a:schemeClr val="accent1"/>
+            </a:lnRef>
+            <a:fillRef idx="1">
+              <a:schemeClr val="lt1"/>
+            </a:fillRef>
+            <a:effectRef idx="0">
+              <a:schemeClr val="accent1"/>
+            </a:effectRef>
+            <a:fontRef idx="minor">
+              <a:schemeClr val="dk1"/>
+            </a:fontRef>
+          </p:style>
+          <p:txBody>
+            <a:bodyPr rtlCol="0" anchor="ctr"/>
+            <a:lstStyle/>
+            <a:p>
+              <a:pPr algn="ctr"/>
+              <a:endParaRPr lang="en-US" dirty="0"/>
+            </a:p>
+          </p:txBody>
+        </p:sp>
+        <p:pic>
+          <p:nvPicPr>
+            <p:cNvPr id="11" name="Picture 10"/>
+            <p:cNvPicPr>
+              <a:picLocks noChangeAspect="1"/>
+            </p:cNvPicPr>
+            <p:nvPr/>
+          </p:nvPicPr>
+          <p:blipFill>
+            <a:blip r:embed="rId2" cstate="print">
+              <a:extLst>
+                <a:ext uri="{28A0092B-C50C-407E-A947-70E740481C1C}">
+                  <a14:useLocalDpi xmlns:a14="http://schemas.microsoft.com/office/drawing/2010/main" val="0"/>
+                </a:ext>
+              </a:extLst>
+            </a:blip>
+            <a:stretch>
+              <a:fillRect/>
+            </a:stretch>
+          </p:blipFill>
+          <p:spPr>
+            <a:xfrm>
+              <a:off x="5112036" y="4293096"/>
+              <a:ext cx="3243048" cy="864096"/>
+            </a:xfrm>
+            <a:prstGeom prst="rect">
+              <a:avLst/>
+            </a:prstGeom>
+          </p:spPr>
+        </p:pic>
+      </p:grpSp>
     </p:spTree>
     <p:extLst>
       <p:ext uri="{BB962C8B-B14F-4D97-AF65-F5344CB8AC3E}">

--- a/docs/images/Figures.pptx
+++ b/docs/images/Figures.pptx
@@ -10,6 +10,7 @@
     <p:sldId id="258" r:id="rId4"/>
     <p:sldId id="259" r:id="rId5"/>
     <p:sldId id="260" r:id="rId6"/>
+    <p:sldId id="261" r:id="rId7"/>
   </p:sldIdLst>
   <p:sldSz cx="9144000" cy="6858000" type="screen4x3"/>
   <p:notesSz cx="6858000" cy="9144000"/>
@@ -131,6 +132,3433 @@
 <p1510:revInfo xmlns:a="http://schemas.openxmlformats.org/drawingml/2006/main" xmlns:r="http://schemas.openxmlformats.org/officeDocument/2006/relationships" xmlns:p1510="http://schemas.microsoft.com/office/powerpoint/2015/10/main"/>
 </file>
 
+<file path=ppt/diagrams/colors1.xml><?xml version="1.0" encoding="utf-8"?>
+<dgm:colorsDef xmlns:dgm="http://schemas.openxmlformats.org/drawingml/2006/diagram" xmlns:a="http://schemas.openxmlformats.org/drawingml/2006/main" uniqueId="urn:microsoft.com/office/officeart/2005/8/colors/colorful1">
+  <dgm:title val=""/>
+  <dgm:desc val=""/>
+  <dgm:catLst>
+    <dgm:cat type="colorful" pri="10100"/>
+  </dgm:catLst>
+  <dgm:styleLbl name="node0">
+    <dgm:fillClrLst meth="repeat">
+      <a:schemeClr val="accent1"/>
+    </dgm:fillClrLst>
+    <dgm:linClrLst meth="repeat">
+      <a:schemeClr val="lt1"/>
+    </dgm:linClrLst>
+    <dgm:effectClrLst/>
+    <dgm:txLinClrLst/>
+    <dgm:txFillClrLst/>
+    <dgm:txEffectClrLst/>
+  </dgm:styleLbl>
+  <dgm:styleLbl name="node1">
+    <dgm:fillClrLst meth="repeat">
+      <a:schemeClr val="accent2"/>
+      <a:schemeClr val="accent3"/>
+      <a:schemeClr val="accent4"/>
+      <a:schemeClr val="accent5"/>
+      <a:schemeClr val="accent6"/>
+    </dgm:fillClrLst>
+    <dgm:linClrLst meth="repeat">
+      <a:schemeClr val="lt1"/>
+    </dgm:linClrLst>
+    <dgm:effectClrLst/>
+    <dgm:txLinClrLst/>
+    <dgm:txFillClrLst/>
+    <dgm:txEffectClrLst/>
+  </dgm:styleLbl>
+  <dgm:styleLbl name="alignNode1">
+    <dgm:fillClrLst meth="repeat">
+      <a:schemeClr val="accent2"/>
+      <a:schemeClr val="accent3"/>
+      <a:schemeClr val="accent4"/>
+      <a:schemeClr val="accent5"/>
+      <a:schemeClr val="accent6"/>
+    </dgm:fillClrLst>
+    <dgm:linClrLst meth="repeat">
+      <a:schemeClr val="accent2"/>
+      <a:schemeClr val="accent3"/>
+      <a:schemeClr val="accent4"/>
+      <a:schemeClr val="accent5"/>
+      <a:schemeClr val="accent6"/>
+    </dgm:linClrLst>
+    <dgm:effectClrLst/>
+    <dgm:txLinClrLst/>
+    <dgm:txFillClrLst/>
+    <dgm:txEffectClrLst/>
+  </dgm:styleLbl>
+  <dgm:styleLbl name="lnNode1">
+    <dgm:fillClrLst meth="repeat">
+      <a:schemeClr val="accent2"/>
+      <a:schemeClr val="accent3"/>
+      <a:schemeClr val="accent4"/>
+      <a:schemeClr val="accent5"/>
+      <a:schemeClr val="accent6"/>
+    </dgm:fillClrLst>
+    <dgm:linClrLst meth="repeat">
+      <a:schemeClr val="lt1"/>
+    </dgm:linClrLst>
+    <dgm:effectClrLst/>
+    <dgm:txLinClrLst/>
+    <dgm:txFillClrLst/>
+    <dgm:txEffectClrLst/>
+  </dgm:styleLbl>
+  <dgm:styleLbl name="vennNode1">
+    <dgm:fillClrLst meth="repeat">
+      <a:schemeClr val="accent2">
+        <a:alpha val="50000"/>
+      </a:schemeClr>
+      <a:schemeClr val="accent3">
+        <a:alpha val="50000"/>
+      </a:schemeClr>
+      <a:schemeClr val="accent4">
+        <a:alpha val="50000"/>
+      </a:schemeClr>
+      <a:schemeClr val="accent5">
+        <a:alpha val="50000"/>
+      </a:schemeClr>
+      <a:schemeClr val="accent6">
+        <a:alpha val="50000"/>
+      </a:schemeClr>
+    </dgm:fillClrLst>
+    <dgm:linClrLst meth="repeat">
+      <a:schemeClr val="lt1"/>
+    </dgm:linClrLst>
+    <dgm:effectClrLst/>
+    <dgm:txLinClrLst/>
+    <dgm:txFillClrLst/>
+    <dgm:txEffectClrLst/>
+  </dgm:styleLbl>
+  <dgm:styleLbl name="node2">
+    <dgm:fillClrLst>
+      <a:schemeClr val="accent2"/>
+    </dgm:fillClrLst>
+    <dgm:linClrLst meth="repeat">
+      <a:schemeClr val="lt1"/>
+    </dgm:linClrLst>
+    <dgm:effectClrLst/>
+    <dgm:txLinClrLst/>
+    <dgm:txFillClrLst/>
+    <dgm:txEffectClrLst/>
+  </dgm:styleLbl>
+  <dgm:styleLbl name="node3">
+    <dgm:fillClrLst>
+      <a:schemeClr val="accent3"/>
+    </dgm:fillClrLst>
+    <dgm:linClrLst meth="repeat">
+      <a:schemeClr val="lt1"/>
+    </dgm:linClrLst>
+    <dgm:effectClrLst/>
+    <dgm:txLinClrLst/>
+    <dgm:txFillClrLst/>
+    <dgm:txEffectClrLst/>
+  </dgm:styleLbl>
+  <dgm:styleLbl name="node4">
+    <dgm:fillClrLst>
+      <a:schemeClr val="accent4"/>
+    </dgm:fillClrLst>
+    <dgm:linClrLst meth="repeat">
+      <a:schemeClr val="lt1"/>
+    </dgm:linClrLst>
+    <dgm:effectClrLst/>
+    <dgm:txLinClrLst/>
+    <dgm:txFillClrLst/>
+    <dgm:txEffectClrLst/>
+  </dgm:styleLbl>
+  <dgm:styleLbl name="fgImgPlace1">
+    <dgm:fillClrLst meth="repeat">
+      <a:schemeClr val="accent2">
+        <a:tint val="50000"/>
+      </a:schemeClr>
+      <a:schemeClr val="accent3">
+        <a:tint val="50000"/>
+      </a:schemeClr>
+      <a:schemeClr val="accent4">
+        <a:tint val="50000"/>
+      </a:schemeClr>
+      <a:schemeClr val="accent5">
+        <a:tint val="50000"/>
+      </a:schemeClr>
+      <a:schemeClr val="accent6">
+        <a:tint val="50000"/>
+      </a:schemeClr>
+    </dgm:fillClrLst>
+    <dgm:linClrLst meth="repeat">
+      <a:schemeClr val="lt1"/>
+    </dgm:linClrLst>
+    <dgm:effectClrLst/>
+    <dgm:txLinClrLst/>
+    <dgm:txFillClrLst meth="repeat">
+      <a:schemeClr val="lt1"/>
+    </dgm:txFillClrLst>
+    <dgm:txEffectClrLst/>
+  </dgm:styleLbl>
+  <dgm:styleLbl name="alignImgPlace1">
+    <dgm:fillClrLst>
+      <a:schemeClr val="accent1">
+        <a:tint val="50000"/>
+      </a:schemeClr>
+      <a:schemeClr val="accent2">
+        <a:tint val="20000"/>
+      </a:schemeClr>
+    </dgm:fillClrLst>
+    <dgm:linClrLst meth="repeat">
+      <a:schemeClr val="lt1"/>
+    </dgm:linClrLst>
+    <dgm:effectClrLst/>
+    <dgm:txLinClrLst/>
+    <dgm:txFillClrLst meth="repeat">
+      <a:schemeClr val="lt1"/>
+    </dgm:txFillClrLst>
+    <dgm:txEffectClrLst/>
+  </dgm:styleLbl>
+  <dgm:styleLbl name="bgImgPlace1">
+    <dgm:fillClrLst>
+      <a:schemeClr val="accent1">
+        <a:tint val="50000"/>
+      </a:schemeClr>
+      <a:schemeClr val="accent2">
+        <a:tint val="20000"/>
+      </a:schemeClr>
+    </dgm:fillClrLst>
+    <dgm:linClrLst meth="repeat">
+      <a:schemeClr val="lt1"/>
+    </dgm:linClrLst>
+    <dgm:effectClrLst/>
+    <dgm:txLinClrLst/>
+    <dgm:txFillClrLst meth="repeat">
+      <a:schemeClr val="lt1"/>
+    </dgm:txFillClrLst>
+    <dgm:txEffectClrLst/>
+  </dgm:styleLbl>
+  <dgm:styleLbl name="sibTrans2D1">
+    <dgm:fillClrLst meth="repeat">
+      <a:schemeClr val="accent2"/>
+      <a:schemeClr val="accent3"/>
+      <a:schemeClr val="accent4"/>
+      <a:schemeClr val="accent5"/>
+      <a:schemeClr val="accent6"/>
+    </dgm:fillClrLst>
+    <dgm:linClrLst meth="cycle">
+      <a:schemeClr val="lt1"/>
+    </dgm:linClrLst>
+    <dgm:effectClrLst/>
+    <dgm:txLinClrLst/>
+    <dgm:txFillClrLst/>
+    <dgm:txEffectClrLst/>
+  </dgm:styleLbl>
+  <dgm:styleLbl name="fgSibTrans2D1">
+    <dgm:fillClrLst meth="repeat">
+      <a:schemeClr val="accent2"/>
+      <a:schemeClr val="accent3"/>
+      <a:schemeClr val="accent4"/>
+      <a:schemeClr val="accent5"/>
+      <a:schemeClr val="accent6"/>
+    </dgm:fillClrLst>
+    <dgm:linClrLst meth="cycle">
+      <a:schemeClr val="lt1"/>
+    </dgm:linClrLst>
+    <dgm:effectClrLst/>
+    <dgm:txLinClrLst/>
+    <dgm:txFillClrLst meth="repeat">
+      <a:schemeClr val="lt1"/>
+    </dgm:txFillClrLst>
+    <dgm:txEffectClrLst/>
+  </dgm:styleLbl>
+  <dgm:styleLbl name="bgSibTrans2D1">
+    <dgm:fillClrLst meth="repeat">
+      <a:schemeClr val="accent2"/>
+      <a:schemeClr val="accent3"/>
+      <a:schemeClr val="accent4"/>
+      <a:schemeClr val="accent5"/>
+      <a:schemeClr val="accent6"/>
+    </dgm:fillClrLst>
+    <dgm:linClrLst meth="cycle">
+      <a:schemeClr val="lt1"/>
+    </dgm:linClrLst>
+    <dgm:effectClrLst/>
+    <dgm:txLinClrLst/>
+    <dgm:txFillClrLst meth="repeat">
+      <a:schemeClr val="lt1"/>
+    </dgm:txFillClrLst>
+    <dgm:txEffectClrLst/>
+  </dgm:styleLbl>
+  <dgm:styleLbl name="sibTrans1D1">
+    <dgm:fillClrLst meth="repeat">
+      <a:schemeClr val="accent2"/>
+      <a:schemeClr val="accent3"/>
+      <a:schemeClr val="accent4"/>
+      <a:schemeClr val="accent5"/>
+      <a:schemeClr val="accent6"/>
+    </dgm:fillClrLst>
+    <dgm:linClrLst meth="repeat">
+      <a:schemeClr val="accent2"/>
+      <a:schemeClr val="accent3"/>
+      <a:schemeClr val="accent4"/>
+      <a:schemeClr val="accent5"/>
+      <a:schemeClr val="accent6"/>
+    </dgm:linClrLst>
+    <dgm:effectClrLst/>
+    <dgm:txLinClrLst/>
+    <dgm:txFillClrLst meth="repeat">
+      <a:schemeClr val="tx1"/>
+    </dgm:txFillClrLst>
+    <dgm:txEffectClrLst/>
+  </dgm:styleLbl>
+  <dgm:styleLbl name="callout">
+    <dgm:fillClrLst meth="repeat">
+      <a:schemeClr val="accent2"/>
+    </dgm:fillClrLst>
+    <dgm:linClrLst meth="repeat">
+      <a:schemeClr val="accent2">
+        <a:tint val="50000"/>
+      </a:schemeClr>
+    </dgm:linClrLst>
+    <dgm:effectClrLst/>
+    <dgm:txLinClrLst/>
+    <dgm:txFillClrLst meth="repeat">
+      <a:schemeClr val="tx1"/>
+    </dgm:txFillClrLst>
+    <dgm:txEffectClrLst/>
+  </dgm:styleLbl>
+  <dgm:styleLbl name="asst0">
+    <dgm:fillClrLst meth="repeat">
+      <a:schemeClr val="accent1"/>
+    </dgm:fillClrLst>
+    <dgm:linClrLst meth="repeat">
+      <a:schemeClr val="lt1"/>
+    </dgm:linClrLst>
+    <dgm:effectClrLst/>
+    <dgm:txLinClrLst/>
+    <dgm:txFillClrLst/>
+    <dgm:txEffectClrLst/>
+  </dgm:styleLbl>
+  <dgm:styleLbl name="asst1">
+    <dgm:fillClrLst meth="repeat">
+      <a:schemeClr val="accent2"/>
+    </dgm:fillClrLst>
+    <dgm:linClrLst meth="repeat">
+      <a:schemeClr val="lt1"/>
+    </dgm:linClrLst>
+    <dgm:effectClrLst/>
+    <dgm:txLinClrLst/>
+    <dgm:txFillClrLst/>
+    <dgm:txEffectClrLst/>
+  </dgm:styleLbl>
+  <dgm:styleLbl name="asst2">
+    <dgm:fillClrLst>
+      <a:schemeClr val="accent3"/>
+    </dgm:fillClrLst>
+    <dgm:linClrLst meth="repeat">
+      <a:schemeClr val="lt1"/>
+    </dgm:linClrLst>
+    <dgm:effectClrLst/>
+    <dgm:txLinClrLst/>
+    <dgm:txFillClrLst/>
+    <dgm:txEffectClrLst/>
+  </dgm:styleLbl>
+  <dgm:styleLbl name="asst3">
+    <dgm:fillClrLst>
+      <a:schemeClr val="accent4"/>
+    </dgm:fillClrLst>
+    <dgm:linClrLst meth="repeat">
+      <a:schemeClr val="lt1"/>
+    </dgm:linClrLst>
+    <dgm:effectClrLst/>
+    <dgm:txLinClrLst/>
+    <dgm:txFillClrLst/>
+    <dgm:txEffectClrLst/>
+  </dgm:styleLbl>
+  <dgm:styleLbl name="asst4">
+    <dgm:fillClrLst>
+      <a:schemeClr val="accent5"/>
+    </dgm:fillClrLst>
+    <dgm:linClrLst meth="repeat">
+      <a:schemeClr val="lt1"/>
+    </dgm:linClrLst>
+    <dgm:effectClrLst/>
+    <dgm:txLinClrLst/>
+    <dgm:txFillClrLst/>
+    <dgm:txEffectClrLst/>
+  </dgm:styleLbl>
+  <dgm:styleLbl name="parChTrans2D1">
+    <dgm:fillClrLst meth="repeat">
+      <a:schemeClr val="accent2"/>
+    </dgm:fillClrLst>
+    <dgm:linClrLst meth="repeat">
+      <a:schemeClr val="lt1"/>
+    </dgm:linClrLst>
+    <dgm:effectClrLst/>
+    <dgm:txLinClrLst/>
+    <dgm:txFillClrLst meth="repeat">
+      <a:schemeClr val="lt1"/>
+    </dgm:txFillClrLst>
+    <dgm:txEffectClrLst/>
+  </dgm:styleLbl>
+  <dgm:styleLbl name="parChTrans2D2">
+    <dgm:fillClrLst meth="repeat">
+      <a:schemeClr val="accent3"/>
+    </dgm:fillClrLst>
+    <dgm:linClrLst meth="repeat">
+      <a:schemeClr val="lt1"/>
+    </dgm:linClrLst>
+    <dgm:effectClrLst/>
+    <dgm:txLinClrLst/>
+    <dgm:txFillClrLst/>
+    <dgm:txEffectClrLst/>
+  </dgm:styleLbl>
+  <dgm:styleLbl name="parChTrans2D3">
+    <dgm:fillClrLst meth="repeat">
+      <a:schemeClr val="accent4"/>
+    </dgm:fillClrLst>
+    <dgm:linClrLst meth="repeat">
+      <a:schemeClr val="lt1"/>
+    </dgm:linClrLst>
+    <dgm:effectClrLst/>
+    <dgm:txLinClrLst/>
+    <dgm:txFillClrLst/>
+    <dgm:txEffectClrLst/>
+  </dgm:styleLbl>
+  <dgm:styleLbl name="parChTrans2D4">
+    <dgm:fillClrLst meth="repeat">
+      <a:schemeClr val="accent5"/>
+    </dgm:fillClrLst>
+    <dgm:linClrLst meth="repeat">
+      <a:schemeClr val="lt1"/>
+    </dgm:linClrLst>
+    <dgm:effectClrLst/>
+    <dgm:txLinClrLst/>
+    <dgm:txFillClrLst meth="repeat">
+      <a:schemeClr val="lt1"/>
+    </dgm:txFillClrLst>
+    <dgm:txEffectClrLst/>
+  </dgm:styleLbl>
+  <dgm:styleLbl name="parChTrans1D1">
+    <dgm:fillClrLst meth="repeat">
+      <a:schemeClr val="accent2"/>
+    </dgm:fillClrLst>
+    <dgm:linClrLst meth="repeat">
+      <a:schemeClr val="accent1"/>
+    </dgm:linClrLst>
+    <dgm:effectClrLst/>
+    <dgm:txLinClrLst/>
+    <dgm:txFillClrLst meth="repeat">
+      <a:schemeClr val="tx1"/>
+    </dgm:txFillClrLst>
+    <dgm:txEffectClrLst/>
+  </dgm:styleLbl>
+  <dgm:styleLbl name="parChTrans1D2">
+    <dgm:fillClrLst meth="repeat">
+      <a:schemeClr val="accent3">
+        <a:tint val="90000"/>
+      </a:schemeClr>
+    </dgm:fillClrLst>
+    <dgm:linClrLst meth="repeat">
+      <a:schemeClr val="accent2"/>
+    </dgm:linClrLst>
+    <dgm:effectClrLst/>
+    <dgm:txLinClrLst/>
+    <dgm:txFillClrLst meth="repeat">
+      <a:schemeClr val="tx1"/>
+    </dgm:txFillClrLst>
+    <dgm:txEffectClrLst/>
+  </dgm:styleLbl>
+  <dgm:styleLbl name="parChTrans1D3">
+    <dgm:fillClrLst meth="repeat">
+      <a:schemeClr val="accent4">
+        <a:tint val="70000"/>
+      </a:schemeClr>
+    </dgm:fillClrLst>
+    <dgm:linClrLst meth="repeat">
+      <a:schemeClr val="accent3"/>
+    </dgm:linClrLst>
+    <dgm:effectClrLst/>
+    <dgm:txLinClrLst/>
+    <dgm:txFillClrLst meth="repeat">
+      <a:schemeClr val="tx1"/>
+    </dgm:txFillClrLst>
+    <dgm:txEffectClrLst/>
+  </dgm:styleLbl>
+  <dgm:styleLbl name="parChTrans1D4">
+    <dgm:fillClrLst meth="repeat">
+      <a:schemeClr val="accent5">
+        <a:tint val="50000"/>
+      </a:schemeClr>
+    </dgm:fillClrLst>
+    <dgm:linClrLst meth="repeat">
+      <a:schemeClr val="accent4"/>
+    </dgm:linClrLst>
+    <dgm:effectClrLst/>
+    <dgm:txLinClrLst/>
+    <dgm:txFillClrLst meth="repeat">
+      <a:schemeClr val="tx1"/>
+    </dgm:txFillClrLst>
+    <dgm:txEffectClrLst/>
+  </dgm:styleLbl>
+  <dgm:styleLbl name="fgAcc1">
+    <dgm:fillClrLst meth="repeat">
+      <a:schemeClr val="lt1">
+        <a:alpha val="90000"/>
+      </a:schemeClr>
+    </dgm:fillClrLst>
+    <dgm:linClrLst meth="repeat">
+      <a:schemeClr val="accent2"/>
+      <a:schemeClr val="accent3"/>
+      <a:schemeClr val="accent4"/>
+      <a:schemeClr val="accent5"/>
+      <a:schemeClr val="accent6"/>
+    </dgm:linClrLst>
+    <dgm:effectClrLst/>
+    <dgm:txLinClrLst/>
+    <dgm:txFillClrLst meth="repeat">
+      <a:schemeClr val="dk1"/>
+    </dgm:txFillClrLst>
+    <dgm:txEffectClrLst/>
+  </dgm:styleLbl>
+  <dgm:styleLbl name="conFgAcc1">
+    <dgm:fillClrLst meth="repeat">
+      <a:schemeClr val="lt1">
+        <a:alpha val="90000"/>
+      </a:schemeClr>
+    </dgm:fillClrLst>
+    <dgm:linClrLst meth="repeat">
+      <a:schemeClr val="accent2"/>
+      <a:schemeClr val="accent3"/>
+      <a:schemeClr val="accent4"/>
+      <a:schemeClr val="accent5"/>
+      <a:schemeClr val="accent6"/>
+    </dgm:linClrLst>
+    <dgm:effectClrLst/>
+    <dgm:txLinClrLst/>
+    <dgm:txFillClrLst meth="repeat">
+      <a:schemeClr val="dk1"/>
+    </dgm:txFillClrLst>
+    <dgm:txEffectClrLst/>
+  </dgm:styleLbl>
+  <dgm:styleLbl name="alignAcc1">
+    <dgm:fillClrLst meth="repeat">
+      <a:schemeClr val="lt1">
+        <a:alpha val="90000"/>
+      </a:schemeClr>
+    </dgm:fillClrLst>
+    <dgm:linClrLst meth="repeat">
+      <a:schemeClr val="accent2"/>
+      <a:schemeClr val="accent3"/>
+      <a:schemeClr val="accent4"/>
+      <a:schemeClr val="accent5"/>
+      <a:schemeClr val="accent6"/>
+    </dgm:linClrLst>
+    <dgm:effectClrLst/>
+    <dgm:txLinClrLst/>
+    <dgm:txFillClrLst meth="repeat">
+      <a:schemeClr val="dk1"/>
+    </dgm:txFillClrLst>
+    <dgm:txEffectClrLst/>
+  </dgm:styleLbl>
+  <dgm:styleLbl name="trAlignAcc1">
+    <dgm:fillClrLst meth="repeat">
+      <a:schemeClr val="lt1">
+        <a:alpha val="40000"/>
+      </a:schemeClr>
+    </dgm:fillClrLst>
+    <dgm:linClrLst meth="repeat">
+      <a:schemeClr val="accent1"/>
+    </dgm:linClrLst>
+    <dgm:effectClrLst/>
+    <dgm:txLinClrLst/>
+    <dgm:txFillClrLst meth="repeat">
+      <a:schemeClr val="dk1"/>
+    </dgm:txFillClrLst>
+    <dgm:txEffectClrLst/>
+  </dgm:styleLbl>
+  <dgm:styleLbl name="bgAcc1">
+    <dgm:fillClrLst meth="repeat">
+      <a:schemeClr val="lt1">
+        <a:alpha val="90000"/>
+      </a:schemeClr>
+    </dgm:fillClrLst>
+    <dgm:linClrLst meth="repeat">
+      <a:schemeClr val="accent2"/>
+      <a:schemeClr val="accent3"/>
+      <a:schemeClr val="accent4"/>
+      <a:schemeClr val="accent5"/>
+      <a:schemeClr val="accent6"/>
+    </dgm:linClrLst>
+    <dgm:effectClrLst/>
+    <dgm:txLinClrLst/>
+    <dgm:txFillClrLst meth="repeat">
+      <a:schemeClr val="dk1"/>
+    </dgm:txFillClrLst>
+    <dgm:txEffectClrLst/>
+  </dgm:styleLbl>
+  <dgm:styleLbl name="solidFgAcc1">
+    <dgm:fillClrLst meth="repeat">
+      <a:schemeClr val="lt1"/>
+    </dgm:fillClrLst>
+    <dgm:linClrLst meth="repeat">
+      <a:schemeClr val="accent2"/>
+      <a:schemeClr val="accent3"/>
+      <a:schemeClr val="accent4"/>
+      <a:schemeClr val="accent5"/>
+      <a:schemeClr val="accent6"/>
+    </dgm:linClrLst>
+    <dgm:effectClrLst/>
+    <dgm:txLinClrLst/>
+    <dgm:txFillClrLst meth="repeat">
+      <a:schemeClr val="dk1"/>
+    </dgm:txFillClrLst>
+    <dgm:txEffectClrLst/>
+  </dgm:styleLbl>
+  <dgm:styleLbl name="solidAlignAcc1">
+    <dgm:fillClrLst meth="repeat">
+      <a:schemeClr val="lt1"/>
+    </dgm:fillClrLst>
+    <dgm:linClrLst meth="repeat">
+      <a:schemeClr val="accent2"/>
+      <a:schemeClr val="accent3"/>
+      <a:schemeClr val="accent4"/>
+      <a:schemeClr val="accent5"/>
+      <a:schemeClr val="accent6"/>
+    </dgm:linClrLst>
+    <dgm:effectClrLst/>
+    <dgm:txLinClrLst/>
+    <dgm:txFillClrLst meth="repeat">
+      <a:schemeClr val="dk1"/>
+    </dgm:txFillClrLst>
+    <dgm:txEffectClrLst/>
+  </dgm:styleLbl>
+  <dgm:styleLbl name="solidBgAcc1">
+    <dgm:fillClrLst meth="repeat">
+      <a:schemeClr val="lt1"/>
+    </dgm:fillClrLst>
+    <dgm:linClrLst meth="repeat">
+      <a:schemeClr val="accent2"/>
+      <a:schemeClr val="accent3"/>
+      <a:schemeClr val="accent4"/>
+      <a:schemeClr val="accent5"/>
+      <a:schemeClr val="accent6"/>
+    </dgm:linClrLst>
+    <dgm:effectClrLst/>
+    <dgm:txLinClrLst/>
+    <dgm:txFillClrLst meth="repeat">
+      <a:schemeClr val="dk1"/>
+    </dgm:txFillClrLst>
+    <dgm:txEffectClrLst/>
+  </dgm:styleLbl>
+  <dgm:styleLbl name="fgAccFollowNode1">
+    <dgm:fillClrLst meth="repeat">
+      <a:schemeClr val="accent2">
+        <a:tint val="40000"/>
+        <a:alpha val="90000"/>
+      </a:schemeClr>
+      <a:schemeClr val="accent3">
+        <a:tint val="40000"/>
+        <a:alpha val="90000"/>
+      </a:schemeClr>
+      <a:schemeClr val="accent4">
+        <a:tint val="40000"/>
+        <a:alpha val="90000"/>
+      </a:schemeClr>
+      <a:schemeClr val="accent5">
+        <a:tint val="40000"/>
+        <a:alpha val="90000"/>
+      </a:schemeClr>
+      <a:schemeClr val="accent6">
+        <a:tint val="40000"/>
+        <a:alpha val="90000"/>
+      </a:schemeClr>
+    </dgm:fillClrLst>
+    <dgm:linClrLst meth="repeat">
+      <a:schemeClr val="accent2">
+        <a:tint val="40000"/>
+        <a:alpha val="90000"/>
+      </a:schemeClr>
+      <a:schemeClr val="accent3">
+        <a:tint val="40000"/>
+        <a:alpha val="90000"/>
+      </a:schemeClr>
+      <a:schemeClr val="accent4">
+        <a:tint val="40000"/>
+        <a:alpha val="90000"/>
+      </a:schemeClr>
+      <a:schemeClr val="accent5">
+        <a:tint val="40000"/>
+        <a:alpha val="90000"/>
+      </a:schemeClr>
+      <a:schemeClr val="accent6">
+        <a:tint val="40000"/>
+        <a:alpha val="90000"/>
+      </a:schemeClr>
+    </dgm:linClrLst>
+    <dgm:effectClrLst/>
+    <dgm:txLinClrLst/>
+    <dgm:txFillClrLst meth="repeat">
+      <a:schemeClr val="dk1"/>
+    </dgm:txFillClrLst>
+    <dgm:txEffectClrLst/>
+  </dgm:styleLbl>
+  <dgm:styleLbl name="alignAccFollowNode1">
+    <dgm:fillClrLst meth="repeat">
+      <a:schemeClr val="accent2">
+        <a:tint val="40000"/>
+        <a:alpha val="90000"/>
+      </a:schemeClr>
+      <a:schemeClr val="accent3">
+        <a:tint val="40000"/>
+        <a:alpha val="90000"/>
+      </a:schemeClr>
+      <a:schemeClr val="accent4">
+        <a:tint val="40000"/>
+        <a:alpha val="90000"/>
+      </a:schemeClr>
+      <a:schemeClr val="accent5">
+        <a:tint val="40000"/>
+        <a:alpha val="90000"/>
+      </a:schemeClr>
+      <a:schemeClr val="accent6">
+        <a:tint val="40000"/>
+        <a:alpha val="90000"/>
+      </a:schemeClr>
+    </dgm:fillClrLst>
+    <dgm:linClrLst meth="repeat">
+      <a:schemeClr val="accent2">
+        <a:tint val="40000"/>
+        <a:alpha val="90000"/>
+      </a:schemeClr>
+      <a:schemeClr val="accent3">
+        <a:tint val="40000"/>
+        <a:alpha val="90000"/>
+      </a:schemeClr>
+      <a:schemeClr val="accent4">
+        <a:tint val="40000"/>
+        <a:alpha val="90000"/>
+      </a:schemeClr>
+      <a:schemeClr val="accent5">
+        <a:tint val="40000"/>
+        <a:alpha val="90000"/>
+      </a:schemeClr>
+      <a:schemeClr val="accent6">
+        <a:tint val="40000"/>
+        <a:alpha val="90000"/>
+      </a:schemeClr>
+    </dgm:linClrLst>
+    <dgm:effectClrLst/>
+    <dgm:txLinClrLst/>
+    <dgm:txFillClrLst meth="repeat">
+      <a:schemeClr val="dk1"/>
+    </dgm:txFillClrLst>
+    <dgm:txEffectClrLst/>
+  </dgm:styleLbl>
+  <dgm:styleLbl name="bgAccFollowNode1">
+    <dgm:fillClrLst meth="repeat">
+      <a:schemeClr val="accent2">
+        <a:tint val="40000"/>
+        <a:alpha val="90000"/>
+      </a:schemeClr>
+      <a:schemeClr val="accent3">
+        <a:tint val="40000"/>
+        <a:alpha val="90000"/>
+      </a:schemeClr>
+      <a:schemeClr val="accent4">
+        <a:tint val="40000"/>
+        <a:alpha val="90000"/>
+      </a:schemeClr>
+      <a:schemeClr val="accent5">
+        <a:tint val="40000"/>
+        <a:alpha val="90000"/>
+      </a:schemeClr>
+      <a:schemeClr val="accent6">
+        <a:tint val="40000"/>
+        <a:alpha val="90000"/>
+      </a:schemeClr>
+    </dgm:fillClrLst>
+    <dgm:linClrLst meth="repeat">
+      <a:schemeClr val="accent2">
+        <a:tint val="40000"/>
+        <a:alpha val="90000"/>
+      </a:schemeClr>
+      <a:schemeClr val="accent3">
+        <a:tint val="40000"/>
+        <a:alpha val="90000"/>
+      </a:schemeClr>
+      <a:schemeClr val="accent4">
+        <a:tint val="40000"/>
+        <a:alpha val="90000"/>
+      </a:schemeClr>
+      <a:schemeClr val="accent5">
+        <a:tint val="40000"/>
+        <a:alpha val="90000"/>
+      </a:schemeClr>
+      <a:schemeClr val="accent6">
+        <a:tint val="40000"/>
+        <a:alpha val="90000"/>
+      </a:schemeClr>
+    </dgm:linClrLst>
+    <dgm:effectClrLst/>
+    <dgm:txLinClrLst/>
+    <dgm:txFillClrLst meth="repeat">
+      <a:schemeClr val="dk1"/>
+    </dgm:txFillClrLst>
+    <dgm:txEffectClrLst/>
+  </dgm:styleLbl>
+  <dgm:styleLbl name="fgAcc0">
+    <dgm:fillClrLst meth="repeat">
+      <a:schemeClr val="lt1">
+        <a:alpha val="90000"/>
+      </a:schemeClr>
+    </dgm:fillClrLst>
+    <dgm:linClrLst>
+      <a:schemeClr val="accent1"/>
+    </dgm:linClrLst>
+    <dgm:effectClrLst/>
+    <dgm:txLinClrLst/>
+    <dgm:txFillClrLst meth="repeat">
+      <a:schemeClr val="dk1"/>
+    </dgm:txFillClrLst>
+    <dgm:txEffectClrLst/>
+  </dgm:styleLbl>
+  <dgm:styleLbl name="fgAcc2">
+    <dgm:fillClrLst meth="repeat">
+      <a:schemeClr val="lt1">
+        <a:alpha val="90000"/>
+      </a:schemeClr>
+    </dgm:fillClrLst>
+    <dgm:linClrLst>
+      <a:schemeClr val="accent2"/>
+    </dgm:linClrLst>
+    <dgm:effectClrLst/>
+    <dgm:txLinClrLst/>
+    <dgm:txFillClrLst meth="repeat">
+      <a:schemeClr val="dk1"/>
+    </dgm:txFillClrLst>
+    <dgm:txEffectClrLst/>
+  </dgm:styleLbl>
+  <dgm:styleLbl name="fgAcc3">
+    <dgm:fillClrLst meth="repeat">
+      <a:schemeClr val="lt1">
+        <a:alpha val="90000"/>
+      </a:schemeClr>
+    </dgm:fillClrLst>
+    <dgm:linClrLst>
+      <a:schemeClr val="accent3"/>
+    </dgm:linClrLst>
+    <dgm:effectClrLst/>
+    <dgm:txLinClrLst/>
+    <dgm:txFillClrLst meth="repeat">
+      <a:schemeClr val="dk1"/>
+    </dgm:txFillClrLst>
+    <dgm:txEffectClrLst/>
+  </dgm:styleLbl>
+  <dgm:styleLbl name="fgAcc4">
+    <dgm:fillClrLst meth="repeat">
+      <a:schemeClr val="lt1">
+        <a:alpha val="90000"/>
+      </a:schemeClr>
+    </dgm:fillClrLst>
+    <dgm:linClrLst>
+      <a:schemeClr val="accent4"/>
+    </dgm:linClrLst>
+    <dgm:effectClrLst/>
+    <dgm:txLinClrLst/>
+    <dgm:txFillClrLst meth="repeat">
+      <a:schemeClr val="dk1"/>
+    </dgm:txFillClrLst>
+    <dgm:txEffectClrLst/>
+  </dgm:styleLbl>
+  <dgm:styleLbl name="bgShp">
+    <dgm:fillClrLst meth="repeat">
+      <a:schemeClr val="accent2">
+        <a:tint val="40000"/>
+      </a:schemeClr>
+    </dgm:fillClrLst>
+    <dgm:linClrLst meth="repeat">
+      <a:schemeClr val="dk1"/>
+    </dgm:linClrLst>
+    <dgm:effectClrLst/>
+    <dgm:txLinClrLst/>
+    <dgm:txFillClrLst meth="repeat">
+      <a:schemeClr val="dk1"/>
+    </dgm:txFillClrLst>
+    <dgm:txEffectClrLst/>
+  </dgm:styleLbl>
+  <dgm:styleLbl name="dkBgShp">
+    <dgm:fillClrLst meth="repeat">
+      <a:schemeClr val="accent2">
+        <a:shade val="90000"/>
+      </a:schemeClr>
+    </dgm:fillClrLst>
+    <dgm:linClrLst meth="repeat">
+      <a:schemeClr val="dk1"/>
+    </dgm:linClrLst>
+    <dgm:effectClrLst/>
+    <dgm:txLinClrLst/>
+    <dgm:txFillClrLst meth="repeat">
+      <a:schemeClr val="lt1"/>
+    </dgm:txFillClrLst>
+    <dgm:txEffectClrLst/>
+  </dgm:styleLbl>
+  <dgm:styleLbl name="trBgShp">
+    <dgm:fillClrLst meth="repeat">
+      <a:schemeClr val="accent1">
+        <a:tint val="50000"/>
+        <a:alpha val="40000"/>
+      </a:schemeClr>
+    </dgm:fillClrLst>
+    <dgm:linClrLst meth="repeat">
+      <a:schemeClr val="accent2"/>
+    </dgm:linClrLst>
+    <dgm:effectClrLst/>
+    <dgm:txLinClrLst/>
+    <dgm:txFillClrLst meth="repeat">
+      <a:schemeClr val="lt1"/>
+    </dgm:txFillClrLst>
+    <dgm:txEffectClrLst/>
+  </dgm:styleLbl>
+  <dgm:styleLbl name="fgShp">
+    <dgm:fillClrLst meth="repeat">
+      <a:schemeClr val="accent2">
+        <a:tint val="40000"/>
+      </a:schemeClr>
+    </dgm:fillClrLst>
+    <dgm:linClrLst meth="repeat">
+      <a:schemeClr val="lt1"/>
+    </dgm:linClrLst>
+    <dgm:effectClrLst/>
+    <dgm:txLinClrLst/>
+    <dgm:txFillClrLst meth="repeat">
+      <a:schemeClr val="dk1"/>
+    </dgm:txFillClrLst>
+    <dgm:txEffectClrLst/>
+  </dgm:styleLbl>
+  <dgm:styleLbl name="revTx">
+    <dgm:fillClrLst meth="repeat">
+      <a:schemeClr val="lt1">
+        <a:alpha val="0"/>
+      </a:schemeClr>
+    </dgm:fillClrLst>
+    <dgm:linClrLst meth="repeat">
+      <a:schemeClr val="dk1">
+        <a:alpha val="0"/>
+      </a:schemeClr>
+    </dgm:linClrLst>
+    <dgm:effectClrLst/>
+    <dgm:txLinClrLst/>
+    <dgm:txFillClrLst meth="repeat">
+      <a:schemeClr val="tx1"/>
+    </dgm:txFillClrLst>
+    <dgm:txEffectClrLst/>
+  </dgm:styleLbl>
+</dgm:colorsDef>
+</file>
+
+<file path=ppt/diagrams/data1.xml><?xml version="1.0" encoding="utf-8"?>
+<dgm:dataModel xmlns:dgm="http://schemas.openxmlformats.org/drawingml/2006/diagram" xmlns:a="http://schemas.openxmlformats.org/drawingml/2006/main">
+  <dgm:ptLst>
+    <dgm:pt modelId="{C67DF9B8-A50A-400E-AB32-24EC96E63BE2}" type="doc">
+      <dgm:prSet loTypeId="urn:microsoft.com/office/officeart/2005/8/layout/hProcess7" loCatId="process" qsTypeId="urn:microsoft.com/office/officeart/2005/8/quickstyle/simple5" qsCatId="simple" csTypeId="urn:microsoft.com/office/officeart/2005/8/colors/colorful1" csCatId="colorful" phldr="1"/>
+      <dgm:spPr/>
+      <dgm:t>
+        <a:bodyPr/>
+        <a:lstStyle/>
+        <a:p>
+          <a:endParaRPr lang="en-US"/>
+        </a:p>
+      </dgm:t>
+    </dgm:pt>
+    <dgm:pt modelId="{3BCCA072-C8A0-4832-A5C3-1D2ED5005092}">
+      <dgm:prSet phldrT="[Text]"/>
+      <dgm:spPr/>
+      <dgm:t>
+        <a:bodyPr/>
+        <a:lstStyle/>
+        <a:p>
+          <a:r>
+            <a:rPr lang="en-US" dirty="0" smtClean="0"/>
+            <a:t>Editor</a:t>
+          </a:r>
+          <a:endParaRPr lang="en-US" dirty="0"/>
+        </a:p>
+      </dgm:t>
+    </dgm:pt>
+    <dgm:pt modelId="{6E619D3F-C0AD-4DC0-8527-1528E8BABA2C}" type="parTrans" cxnId="{3E598B6C-D389-456C-85E7-CEBFC0FC1789}">
+      <dgm:prSet/>
+      <dgm:spPr/>
+      <dgm:t>
+        <a:bodyPr/>
+        <a:lstStyle/>
+        <a:p>
+          <a:endParaRPr lang="en-US"/>
+        </a:p>
+      </dgm:t>
+    </dgm:pt>
+    <dgm:pt modelId="{6AA3B817-D47F-449E-B857-461EE387E046}" type="sibTrans" cxnId="{3E598B6C-D389-456C-85E7-CEBFC0FC1789}">
+      <dgm:prSet/>
+      <dgm:spPr/>
+      <dgm:t>
+        <a:bodyPr/>
+        <a:lstStyle/>
+        <a:p>
+          <a:endParaRPr lang="en-US"/>
+        </a:p>
+      </dgm:t>
+    </dgm:pt>
+    <dgm:pt modelId="{E010D653-A181-4F03-BB85-65EC889D36AF}">
+      <dgm:prSet phldrT="[Text]"/>
+      <dgm:spPr/>
+      <dgm:t>
+        <a:bodyPr/>
+        <a:lstStyle/>
+        <a:p>
+          <a:r>
+            <a:rPr lang="en-US" dirty="0" smtClean="0"/>
+            <a:t>Code Text</a:t>
+          </a:r>
+          <a:endParaRPr lang="en-US" dirty="0"/>
+        </a:p>
+      </dgm:t>
+    </dgm:pt>
+    <dgm:pt modelId="{42F2D415-2D9E-4276-94CB-BD578D55A555}" type="parTrans" cxnId="{0E9729E9-9867-4D92-A458-B63F99180AA5}">
+      <dgm:prSet/>
+      <dgm:spPr/>
+      <dgm:t>
+        <a:bodyPr/>
+        <a:lstStyle/>
+        <a:p>
+          <a:endParaRPr lang="en-US"/>
+        </a:p>
+      </dgm:t>
+    </dgm:pt>
+    <dgm:pt modelId="{32F6C338-F2FF-46DB-A625-F3467DF902AA}" type="sibTrans" cxnId="{0E9729E9-9867-4D92-A458-B63F99180AA5}">
+      <dgm:prSet/>
+      <dgm:spPr/>
+      <dgm:t>
+        <a:bodyPr/>
+        <a:lstStyle/>
+        <a:p>
+          <a:endParaRPr lang="en-US"/>
+        </a:p>
+      </dgm:t>
+    </dgm:pt>
+    <dgm:pt modelId="{A262197B-739E-4FFE-9081-C4361C3D90E5}">
+      <dgm:prSet phldrT="[Text]"/>
+      <dgm:spPr/>
+      <dgm:t>
+        <a:bodyPr/>
+        <a:lstStyle/>
+        <a:p>
+          <a:r>
+            <a:rPr lang="en-US" dirty="0" smtClean="0"/>
+            <a:t>Scanner</a:t>
+          </a:r>
+          <a:endParaRPr lang="en-US" dirty="0"/>
+        </a:p>
+      </dgm:t>
+    </dgm:pt>
+    <dgm:pt modelId="{ACA78833-E121-49FD-8F6D-1025A5CBEA2F}" type="parTrans" cxnId="{372004B5-CB38-4CEC-8AF1-7D537DB828CE}">
+      <dgm:prSet/>
+      <dgm:spPr/>
+      <dgm:t>
+        <a:bodyPr/>
+        <a:lstStyle/>
+        <a:p>
+          <a:endParaRPr lang="en-US"/>
+        </a:p>
+      </dgm:t>
+    </dgm:pt>
+    <dgm:pt modelId="{C8B3E837-9613-4785-B87C-FE4FBB4D41C6}" type="sibTrans" cxnId="{372004B5-CB38-4CEC-8AF1-7D537DB828CE}">
+      <dgm:prSet/>
+      <dgm:spPr/>
+      <dgm:t>
+        <a:bodyPr/>
+        <a:lstStyle/>
+        <a:p>
+          <a:endParaRPr lang="en-US"/>
+        </a:p>
+      </dgm:t>
+    </dgm:pt>
+    <dgm:pt modelId="{03BF1BC5-FB5F-4DF6-BD35-DFE44C848B19}">
+      <dgm:prSet phldrT="[Text]"/>
+      <dgm:spPr/>
+      <dgm:t>
+        <a:bodyPr/>
+        <a:lstStyle/>
+        <a:p>
+          <a:r>
+            <a:rPr lang="en-US" dirty="0" smtClean="0"/>
+            <a:t>Language Tokens</a:t>
+          </a:r>
+          <a:endParaRPr lang="en-US" dirty="0"/>
+        </a:p>
+      </dgm:t>
+    </dgm:pt>
+    <dgm:pt modelId="{0B03774D-3911-4C67-8566-5B3BE0786EB0}" type="parTrans" cxnId="{937240D2-DA9A-44E4-A53D-AA19CBDC2409}">
+      <dgm:prSet/>
+      <dgm:spPr/>
+      <dgm:t>
+        <a:bodyPr/>
+        <a:lstStyle/>
+        <a:p>
+          <a:endParaRPr lang="en-US"/>
+        </a:p>
+      </dgm:t>
+    </dgm:pt>
+    <dgm:pt modelId="{5CA1B995-6074-4C76-8144-3FAE285C1855}" type="sibTrans" cxnId="{937240D2-DA9A-44E4-A53D-AA19CBDC2409}">
+      <dgm:prSet/>
+      <dgm:spPr/>
+      <dgm:t>
+        <a:bodyPr/>
+        <a:lstStyle/>
+        <a:p>
+          <a:endParaRPr lang="en-US"/>
+        </a:p>
+      </dgm:t>
+    </dgm:pt>
+    <dgm:pt modelId="{DA84DD37-D2A7-407C-8BE6-E8ECB742C066}">
+      <dgm:prSet phldrT="[Text]"/>
+      <dgm:spPr/>
+      <dgm:t>
+        <a:bodyPr/>
+        <a:lstStyle/>
+        <a:p>
+          <a:r>
+            <a:rPr lang="en-US" dirty="0" smtClean="0"/>
+            <a:t>Syntax </a:t>
+          </a:r>
+          <a:r>
+            <a:rPr lang="en-US" altLang="zh-CN" dirty="0" smtClean="0"/>
+            <a:t>Tree</a:t>
+          </a:r>
+          <a:endParaRPr lang="en-US" dirty="0"/>
+        </a:p>
+      </dgm:t>
+    </dgm:pt>
+    <dgm:pt modelId="{E80D845E-2CE0-45E1-B2F4-14E195A1D2E0}" type="parTrans" cxnId="{398C8CE3-1F9C-4C56-96E3-D126439E378C}">
+      <dgm:prSet/>
+      <dgm:spPr/>
+      <dgm:t>
+        <a:bodyPr/>
+        <a:lstStyle/>
+        <a:p>
+          <a:endParaRPr lang="en-US"/>
+        </a:p>
+      </dgm:t>
+    </dgm:pt>
+    <dgm:pt modelId="{C35512B9-9E15-4484-ADF0-7CC656D96F06}" type="sibTrans" cxnId="{398C8CE3-1F9C-4C56-96E3-D126439E378C}">
+      <dgm:prSet/>
+      <dgm:spPr/>
+      <dgm:t>
+        <a:bodyPr/>
+        <a:lstStyle/>
+        <a:p>
+          <a:endParaRPr lang="en-US"/>
+        </a:p>
+      </dgm:t>
+    </dgm:pt>
+    <dgm:pt modelId="{8CD0BE02-AA5F-471A-BD2A-C1C3F37C883B}">
+      <dgm:prSet phldrT="[Text]"/>
+      <dgm:spPr/>
+      <dgm:t>
+        <a:bodyPr/>
+        <a:lstStyle/>
+        <a:p>
+          <a:r>
+            <a:rPr lang="en-US" dirty="0" smtClean="0"/>
+            <a:t>Expression Model</a:t>
+          </a:r>
+          <a:endParaRPr lang="en-US" dirty="0"/>
+        </a:p>
+      </dgm:t>
+    </dgm:pt>
+    <dgm:pt modelId="{C6943482-EF80-4B92-8720-01F95C549536}" type="parTrans" cxnId="{3E7F7A42-B38F-4ABB-ABC8-DEF0518584A6}">
+      <dgm:prSet/>
+      <dgm:spPr/>
+      <dgm:t>
+        <a:bodyPr/>
+        <a:lstStyle/>
+        <a:p>
+          <a:endParaRPr lang="en-US"/>
+        </a:p>
+      </dgm:t>
+    </dgm:pt>
+    <dgm:pt modelId="{6992254E-3D7B-4297-B4F3-7AEA272A40DC}" type="sibTrans" cxnId="{3E7F7A42-B38F-4ABB-ABC8-DEF0518584A6}">
+      <dgm:prSet/>
+      <dgm:spPr/>
+      <dgm:t>
+        <a:bodyPr/>
+        <a:lstStyle/>
+        <a:p>
+          <a:endParaRPr lang="en-US"/>
+        </a:p>
+      </dgm:t>
+    </dgm:pt>
+    <dgm:pt modelId="{A8A775D8-D4B5-4916-B321-FD86509AF34E}" type="pres">
+      <dgm:prSet presAssocID="{C67DF9B8-A50A-400E-AB32-24EC96E63BE2}" presName="Name0" presStyleCnt="0">
+        <dgm:presLayoutVars>
+          <dgm:dir/>
+          <dgm:animLvl val="lvl"/>
+          <dgm:resizeHandles val="exact"/>
+        </dgm:presLayoutVars>
+      </dgm:prSet>
+      <dgm:spPr/>
+    </dgm:pt>
+    <dgm:pt modelId="{B153E6A2-7CBB-45DB-9F07-32A9479D5C60}" type="pres">
+      <dgm:prSet presAssocID="{3BCCA072-C8A0-4832-A5C3-1D2ED5005092}" presName="compositeNode" presStyleCnt="0">
+        <dgm:presLayoutVars>
+          <dgm:bulletEnabled val="1"/>
+        </dgm:presLayoutVars>
+      </dgm:prSet>
+      <dgm:spPr/>
+    </dgm:pt>
+    <dgm:pt modelId="{B70B6F4E-1B66-45F2-B009-C116B812C003}" type="pres">
+      <dgm:prSet presAssocID="{3BCCA072-C8A0-4832-A5C3-1D2ED5005092}" presName="bgRect" presStyleLbl="node1" presStyleIdx="0" presStyleCnt="3"/>
+      <dgm:spPr/>
+    </dgm:pt>
+    <dgm:pt modelId="{E9E69026-1F29-46A0-89F5-F55882FD1D58}" type="pres">
+      <dgm:prSet presAssocID="{3BCCA072-C8A0-4832-A5C3-1D2ED5005092}" presName="parentNode" presStyleLbl="node1" presStyleIdx="0" presStyleCnt="3">
+        <dgm:presLayoutVars>
+          <dgm:chMax val="0"/>
+          <dgm:bulletEnabled val="1"/>
+        </dgm:presLayoutVars>
+      </dgm:prSet>
+      <dgm:spPr/>
+    </dgm:pt>
+    <dgm:pt modelId="{4EB641AD-5193-416D-8CA2-20BDF251EB63}" type="pres">
+      <dgm:prSet presAssocID="{3BCCA072-C8A0-4832-A5C3-1D2ED5005092}" presName="childNode" presStyleLbl="node1" presStyleIdx="0" presStyleCnt="3">
+        <dgm:presLayoutVars>
+          <dgm:bulletEnabled val="1"/>
+        </dgm:presLayoutVars>
+      </dgm:prSet>
+      <dgm:spPr/>
+    </dgm:pt>
+    <dgm:pt modelId="{D654F289-61D8-4965-B003-F1E09BF936FF}" type="pres">
+      <dgm:prSet presAssocID="{6AA3B817-D47F-449E-B857-461EE387E046}" presName="hSp" presStyleCnt="0"/>
+      <dgm:spPr/>
+    </dgm:pt>
+    <dgm:pt modelId="{0C1564D6-989F-4CC2-A324-3110DB2DAE7D}" type="pres">
+      <dgm:prSet presAssocID="{6AA3B817-D47F-449E-B857-461EE387E046}" presName="vProcSp" presStyleCnt="0"/>
+      <dgm:spPr/>
+    </dgm:pt>
+    <dgm:pt modelId="{AB6C245D-9F58-450E-B3A8-5330E148DA62}" type="pres">
+      <dgm:prSet presAssocID="{6AA3B817-D47F-449E-B857-461EE387E046}" presName="vSp1" presStyleCnt="0"/>
+      <dgm:spPr/>
+    </dgm:pt>
+    <dgm:pt modelId="{BC718E29-9371-42C5-9F34-BA17469F6F26}" type="pres">
+      <dgm:prSet presAssocID="{6AA3B817-D47F-449E-B857-461EE387E046}" presName="simulatedConn" presStyleLbl="solidFgAcc1" presStyleIdx="0" presStyleCnt="2"/>
+      <dgm:spPr/>
+    </dgm:pt>
+    <dgm:pt modelId="{E8226830-FF31-4100-B5FE-78FA17FE3B7F}" type="pres">
+      <dgm:prSet presAssocID="{6AA3B817-D47F-449E-B857-461EE387E046}" presName="vSp2" presStyleCnt="0"/>
+      <dgm:spPr/>
+    </dgm:pt>
+    <dgm:pt modelId="{A28D0AA0-DF4C-4D9E-AE7D-164EDF875803}" type="pres">
+      <dgm:prSet presAssocID="{6AA3B817-D47F-449E-B857-461EE387E046}" presName="sibTrans" presStyleCnt="0"/>
+      <dgm:spPr/>
+    </dgm:pt>
+    <dgm:pt modelId="{DC063359-FA69-4D22-BDE8-66AD240ACB30}" type="pres">
+      <dgm:prSet presAssocID="{A262197B-739E-4FFE-9081-C4361C3D90E5}" presName="compositeNode" presStyleCnt="0">
+        <dgm:presLayoutVars>
+          <dgm:bulletEnabled val="1"/>
+        </dgm:presLayoutVars>
+      </dgm:prSet>
+      <dgm:spPr/>
+    </dgm:pt>
+    <dgm:pt modelId="{37145C66-8A82-40DA-88AB-1058B9968E3B}" type="pres">
+      <dgm:prSet presAssocID="{A262197B-739E-4FFE-9081-C4361C3D90E5}" presName="bgRect" presStyleLbl="node1" presStyleIdx="1" presStyleCnt="3"/>
+      <dgm:spPr/>
+    </dgm:pt>
+    <dgm:pt modelId="{CB1D7000-CF1C-4FE9-88AA-3F8AFC760CC4}" type="pres">
+      <dgm:prSet presAssocID="{A262197B-739E-4FFE-9081-C4361C3D90E5}" presName="parentNode" presStyleLbl="node1" presStyleIdx="1" presStyleCnt="3">
+        <dgm:presLayoutVars>
+          <dgm:chMax val="0"/>
+          <dgm:bulletEnabled val="1"/>
+        </dgm:presLayoutVars>
+      </dgm:prSet>
+      <dgm:spPr/>
+    </dgm:pt>
+    <dgm:pt modelId="{A9CF62B8-8277-4805-8E7A-69B7B75AE8D9}" type="pres">
+      <dgm:prSet presAssocID="{A262197B-739E-4FFE-9081-C4361C3D90E5}" presName="childNode" presStyleLbl="node1" presStyleIdx="1" presStyleCnt="3">
+        <dgm:presLayoutVars>
+          <dgm:bulletEnabled val="1"/>
+        </dgm:presLayoutVars>
+      </dgm:prSet>
+      <dgm:spPr/>
+    </dgm:pt>
+    <dgm:pt modelId="{82D272E8-9131-40B7-B2A6-A8416078D116}" type="pres">
+      <dgm:prSet presAssocID="{C8B3E837-9613-4785-B87C-FE4FBB4D41C6}" presName="hSp" presStyleCnt="0"/>
+      <dgm:spPr/>
+    </dgm:pt>
+    <dgm:pt modelId="{458ABF64-4DCA-431E-B1C9-FD9EE7DBC2EA}" type="pres">
+      <dgm:prSet presAssocID="{C8B3E837-9613-4785-B87C-FE4FBB4D41C6}" presName="vProcSp" presStyleCnt="0"/>
+      <dgm:spPr/>
+    </dgm:pt>
+    <dgm:pt modelId="{F7C2F0A7-787C-48AE-B9B7-925E3D6544A0}" type="pres">
+      <dgm:prSet presAssocID="{C8B3E837-9613-4785-B87C-FE4FBB4D41C6}" presName="vSp1" presStyleCnt="0"/>
+      <dgm:spPr/>
+    </dgm:pt>
+    <dgm:pt modelId="{373493D0-BF9A-4709-9912-3232487156EE}" type="pres">
+      <dgm:prSet presAssocID="{C8B3E837-9613-4785-B87C-FE4FBB4D41C6}" presName="simulatedConn" presStyleLbl="solidFgAcc1" presStyleIdx="1" presStyleCnt="2"/>
+      <dgm:spPr/>
+    </dgm:pt>
+    <dgm:pt modelId="{2C024101-8AEE-4106-B9AF-0DB4B3610C39}" type="pres">
+      <dgm:prSet presAssocID="{C8B3E837-9613-4785-B87C-FE4FBB4D41C6}" presName="vSp2" presStyleCnt="0"/>
+      <dgm:spPr/>
+    </dgm:pt>
+    <dgm:pt modelId="{9C9C9929-2991-4BAC-94A7-5085DF927D03}" type="pres">
+      <dgm:prSet presAssocID="{C8B3E837-9613-4785-B87C-FE4FBB4D41C6}" presName="sibTrans" presStyleCnt="0"/>
+      <dgm:spPr/>
+    </dgm:pt>
+    <dgm:pt modelId="{2D9322E1-AFA4-4148-9F6A-CE36124ADCF7}" type="pres">
+      <dgm:prSet presAssocID="{DA84DD37-D2A7-407C-8BE6-E8ECB742C066}" presName="compositeNode" presStyleCnt="0">
+        <dgm:presLayoutVars>
+          <dgm:bulletEnabled val="1"/>
+        </dgm:presLayoutVars>
+      </dgm:prSet>
+      <dgm:spPr/>
+    </dgm:pt>
+    <dgm:pt modelId="{620C2F5D-F6D8-443B-8278-0D55FF964C7B}" type="pres">
+      <dgm:prSet presAssocID="{DA84DD37-D2A7-407C-8BE6-E8ECB742C066}" presName="bgRect" presStyleLbl="node1" presStyleIdx="2" presStyleCnt="3"/>
+      <dgm:spPr/>
+    </dgm:pt>
+    <dgm:pt modelId="{17077B1C-E534-4DB9-9604-F874AF6C339B}" type="pres">
+      <dgm:prSet presAssocID="{DA84DD37-D2A7-407C-8BE6-E8ECB742C066}" presName="parentNode" presStyleLbl="node1" presStyleIdx="2" presStyleCnt="3">
+        <dgm:presLayoutVars>
+          <dgm:chMax val="0"/>
+          <dgm:bulletEnabled val="1"/>
+        </dgm:presLayoutVars>
+      </dgm:prSet>
+      <dgm:spPr/>
+    </dgm:pt>
+    <dgm:pt modelId="{FC4AC0C5-7916-4D88-A747-2BFE52B3DDCE}" type="pres">
+      <dgm:prSet presAssocID="{DA84DD37-D2A7-407C-8BE6-E8ECB742C066}" presName="childNode" presStyleLbl="node1" presStyleIdx="2" presStyleCnt="3">
+        <dgm:presLayoutVars>
+          <dgm:bulletEnabled val="1"/>
+        </dgm:presLayoutVars>
+      </dgm:prSet>
+      <dgm:spPr/>
+    </dgm:pt>
+  </dgm:ptLst>
+  <dgm:cxnLst>
+    <dgm:cxn modelId="{CB8CB589-53AE-4998-9868-FC3D8636C495}" type="presOf" srcId="{3BCCA072-C8A0-4832-A5C3-1D2ED5005092}" destId="{E9E69026-1F29-46A0-89F5-F55882FD1D58}" srcOrd="1" destOrd="0" presId="urn:microsoft.com/office/officeart/2005/8/layout/hProcess7"/>
+    <dgm:cxn modelId="{3E7F7A42-B38F-4ABB-ABC8-DEF0518584A6}" srcId="{DA84DD37-D2A7-407C-8BE6-E8ECB742C066}" destId="{8CD0BE02-AA5F-471A-BD2A-C1C3F37C883B}" srcOrd="0" destOrd="0" parTransId="{C6943482-EF80-4B92-8720-01F95C549536}" sibTransId="{6992254E-3D7B-4297-B4F3-7AEA272A40DC}"/>
+    <dgm:cxn modelId="{937240D2-DA9A-44E4-A53D-AA19CBDC2409}" srcId="{A262197B-739E-4FFE-9081-C4361C3D90E5}" destId="{03BF1BC5-FB5F-4DF6-BD35-DFE44C848B19}" srcOrd="0" destOrd="0" parTransId="{0B03774D-3911-4C67-8566-5B3BE0786EB0}" sibTransId="{5CA1B995-6074-4C76-8144-3FAE285C1855}"/>
+    <dgm:cxn modelId="{398C8CE3-1F9C-4C56-96E3-D126439E378C}" srcId="{C67DF9B8-A50A-400E-AB32-24EC96E63BE2}" destId="{DA84DD37-D2A7-407C-8BE6-E8ECB742C066}" srcOrd="2" destOrd="0" parTransId="{E80D845E-2CE0-45E1-B2F4-14E195A1D2E0}" sibTransId="{C35512B9-9E15-4484-ADF0-7CC656D96F06}"/>
+    <dgm:cxn modelId="{28F0E95C-CD77-4AF9-87A4-2A4AF5A93BD0}" type="presOf" srcId="{DA84DD37-D2A7-407C-8BE6-E8ECB742C066}" destId="{17077B1C-E534-4DB9-9604-F874AF6C339B}" srcOrd="1" destOrd="0" presId="urn:microsoft.com/office/officeart/2005/8/layout/hProcess7"/>
+    <dgm:cxn modelId="{62FF83CF-D9A5-4BFD-B198-3C9E08D3BE4F}" type="presOf" srcId="{DA84DD37-D2A7-407C-8BE6-E8ECB742C066}" destId="{620C2F5D-F6D8-443B-8278-0D55FF964C7B}" srcOrd="0" destOrd="0" presId="urn:microsoft.com/office/officeart/2005/8/layout/hProcess7"/>
+    <dgm:cxn modelId="{CAACAE54-E1C7-48D5-888C-42B94EC66262}" type="presOf" srcId="{A262197B-739E-4FFE-9081-C4361C3D90E5}" destId="{CB1D7000-CF1C-4FE9-88AA-3F8AFC760CC4}" srcOrd="1" destOrd="0" presId="urn:microsoft.com/office/officeart/2005/8/layout/hProcess7"/>
+    <dgm:cxn modelId="{72590239-BD48-47AF-B236-C53D4BA7C72D}" type="presOf" srcId="{8CD0BE02-AA5F-471A-BD2A-C1C3F37C883B}" destId="{FC4AC0C5-7916-4D88-A747-2BFE52B3DDCE}" srcOrd="0" destOrd="0" presId="urn:microsoft.com/office/officeart/2005/8/layout/hProcess7"/>
+    <dgm:cxn modelId="{7DBBFBD9-9A7C-4C74-B502-EB8668924D33}" type="presOf" srcId="{E010D653-A181-4F03-BB85-65EC889D36AF}" destId="{4EB641AD-5193-416D-8CA2-20BDF251EB63}" srcOrd="0" destOrd="0" presId="urn:microsoft.com/office/officeart/2005/8/layout/hProcess7"/>
+    <dgm:cxn modelId="{A134CD33-D508-4B53-9854-5F76E4F0444C}" type="presOf" srcId="{03BF1BC5-FB5F-4DF6-BD35-DFE44C848B19}" destId="{A9CF62B8-8277-4805-8E7A-69B7B75AE8D9}" srcOrd="0" destOrd="0" presId="urn:microsoft.com/office/officeart/2005/8/layout/hProcess7"/>
+    <dgm:cxn modelId="{97E6B727-5594-44B3-85D1-10D340CEF9FC}" type="presOf" srcId="{C67DF9B8-A50A-400E-AB32-24EC96E63BE2}" destId="{A8A775D8-D4B5-4916-B321-FD86509AF34E}" srcOrd="0" destOrd="0" presId="urn:microsoft.com/office/officeart/2005/8/layout/hProcess7"/>
+    <dgm:cxn modelId="{372004B5-CB38-4CEC-8AF1-7D537DB828CE}" srcId="{C67DF9B8-A50A-400E-AB32-24EC96E63BE2}" destId="{A262197B-739E-4FFE-9081-C4361C3D90E5}" srcOrd="1" destOrd="0" parTransId="{ACA78833-E121-49FD-8F6D-1025A5CBEA2F}" sibTransId="{C8B3E837-9613-4785-B87C-FE4FBB4D41C6}"/>
+    <dgm:cxn modelId="{3E598B6C-D389-456C-85E7-CEBFC0FC1789}" srcId="{C67DF9B8-A50A-400E-AB32-24EC96E63BE2}" destId="{3BCCA072-C8A0-4832-A5C3-1D2ED5005092}" srcOrd="0" destOrd="0" parTransId="{6E619D3F-C0AD-4DC0-8527-1528E8BABA2C}" sibTransId="{6AA3B817-D47F-449E-B857-461EE387E046}"/>
+    <dgm:cxn modelId="{B73C16E8-63CB-4566-A8E1-5EB6CB6E05B0}" type="presOf" srcId="{A262197B-739E-4FFE-9081-C4361C3D90E5}" destId="{37145C66-8A82-40DA-88AB-1058B9968E3B}" srcOrd="0" destOrd="0" presId="urn:microsoft.com/office/officeart/2005/8/layout/hProcess7"/>
+    <dgm:cxn modelId="{B4D6B2A3-C7CB-4B3B-9A28-0023F420491F}" type="presOf" srcId="{3BCCA072-C8A0-4832-A5C3-1D2ED5005092}" destId="{B70B6F4E-1B66-45F2-B009-C116B812C003}" srcOrd="0" destOrd="0" presId="urn:microsoft.com/office/officeart/2005/8/layout/hProcess7"/>
+    <dgm:cxn modelId="{0E9729E9-9867-4D92-A458-B63F99180AA5}" srcId="{3BCCA072-C8A0-4832-A5C3-1D2ED5005092}" destId="{E010D653-A181-4F03-BB85-65EC889D36AF}" srcOrd="0" destOrd="0" parTransId="{42F2D415-2D9E-4276-94CB-BD578D55A555}" sibTransId="{32F6C338-F2FF-46DB-A625-F3467DF902AA}"/>
+    <dgm:cxn modelId="{628B0086-15C0-43B5-A025-7ECB93A86F8D}" type="presParOf" srcId="{A8A775D8-D4B5-4916-B321-FD86509AF34E}" destId="{B153E6A2-7CBB-45DB-9F07-32A9479D5C60}" srcOrd="0" destOrd="0" presId="urn:microsoft.com/office/officeart/2005/8/layout/hProcess7"/>
+    <dgm:cxn modelId="{B1C555CA-1F18-4671-A692-9F17446D82C2}" type="presParOf" srcId="{B153E6A2-7CBB-45DB-9F07-32A9479D5C60}" destId="{B70B6F4E-1B66-45F2-B009-C116B812C003}" srcOrd="0" destOrd="0" presId="urn:microsoft.com/office/officeart/2005/8/layout/hProcess7"/>
+    <dgm:cxn modelId="{892C590F-AE12-4B29-B582-74819B94C795}" type="presParOf" srcId="{B153E6A2-7CBB-45DB-9F07-32A9479D5C60}" destId="{E9E69026-1F29-46A0-89F5-F55882FD1D58}" srcOrd="1" destOrd="0" presId="urn:microsoft.com/office/officeart/2005/8/layout/hProcess7"/>
+    <dgm:cxn modelId="{2DFFACF0-2468-417B-9A1B-3B5AC00813A6}" type="presParOf" srcId="{B153E6A2-7CBB-45DB-9F07-32A9479D5C60}" destId="{4EB641AD-5193-416D-8CA2-20BDF251EB63}" srcOrd="2" destOrd="0" presId="urn:microsoft.com/office/officeart/2005/8/layout/hProcess7"/>
+    <dgm:cxn modelId="{1351CF3C-CC5F-4D5A-8D45-952C66525875}" type="presParOf" srcId="{A8A775D8-D4B5-4916-B321-FD86509AF34E}" destId="{D654F289-61D8-4965-B003-F1E09BF936FF}" srcOrd="1" destOrd="0" presId="urn:microsoft.com/office/officeart/2005/8/layout/hProcess7"/>
+    <dgm:cxn modelId="{E3363E42-0103-40C4-9F4A-5B550A355C1E}" type="presParOf" srcId="{A8A775D8-D4B5-4916-B321-FD86509AF34E}" destId="{0C1564D6-989F-4CC2-A324-3110DB2DAE7D}" srcOrd="2" destOrd="0" presId="urn:microsoft.com/office/officeart/2005/8/layout/hProcess7"/>
+    <dgm:cxn modelId="{FE9CD022-5D5C-4C02-A3D4-8EFCFDC7D1E4}" type="presParOf" srcId="{0C1564D6-989F-4CC2-A324-3110DB2DAE7D}" destId="{AB6C245D-9F58-450E-B3A8-5330E148DA62}" srcOrd="0" destOrd="0" presId="urn:microsoft.com/office/officeart/2005/8/layout/hProcess7"/>
+    <dgm:cxn modelId="{A8BB3FBF-479D-4897-BE78-6BC41A508F6E}" type="presParOf" srcId="{0C1564D6-989F-4CC2-A324-3110DB2DAE7D}" destId="{BC718E29-9371-42C5-9F34-BA17469F6F26}" srcOrd="1" destOrd="0" presId="urn:microsoft.com/office/officeart/2005/8/layout/hProcess7"/>
+    <dgm:cxn modelId="{E7A4F277-CBC6-49E8-8C80-1070B345F169}" type="presParOf" srcId="{0C1564D6-989F-4CC2-A324-3110DB2DAE7D}" destId="{E8226830-FF31-4100-B5FE-78FA17FE3B7F}" srcOrd="2" destOrd="0" presId="urn:microsoft.com/office/officeart/2005/8/layout/hProcess7"/>
+    <dgm:cxn modelId="{C3A89F88-C528-453F-910A-F33CA7874D61}" type="presParOf" srcId="{A8A775D8-D4B5-4916-B321-FD86509AF34E}" destId="{A28D0AA0-DF4C-4D9E-AE7D-164EDF875803}" srcOrd="3" destOrd="0" presId="urn:microsoft.com/office/officeart/2005/8/layout/hProcess7"/>
+    <dgm:cxn modelId="{457851D7-C3A0-4692-BC3B-85178623F699}" type="presParOf" srcId="{A8A775D8-D4B5-4916-B321-FD86509AF34E}" destId="{DC063359-FA69-4D22-BDE8-66AD240ACB30}" srcOrd="4" destOrd="0" presId="urn:microsoft.com/office/officeart/2005/8/layout/hProcess7"/>
+    <dgm:cxn modelId="{3F14F4D1-7E65-49DB-A48A-2C328DD6FB93}" type="presParOf" srcId="{DC063359-FA69-4D22-BDE8-66AD240ACB30}" destId="{37145C66-8A82-40DA-88AB-1058B9968E3B}" srcOrd="0" destOrd="0" presId="urn:microsoft.com/office/officeart/2005/8/layout/hProcess7"/>
+    <dgm:cxn modelId="{7577708E-D957-45E8-A0DC-7EAA287AEF3C}" type="presParOf" srcId="{DC063359-FA69-4D22-BDE8-66AD240ACB30}" destId="{CB1D7000-CF1C-4FE9-88AA-3F8AFC760CC4}" srcOrd="1" destOrd="0" presId="urn:microsoft.com/office/officeart/2005/8/layout/hProcess7"/>
+    <dgm:cxn modelId="{FBE5D8CB-0D7B-43CF-A794-1E711B3CA449}" type="presParOf" srcId="{DC063359-FA69-4D22-BDE8-66AD240ACB30}" destId="{A9CF62B8-8277-4805-8E7A-69B7B75AE8D9}" srcOrd="2" destOrd="0" presId="urn:microsoft.com/office/officeart/2005/8/layout/hProcess7"/>
+    <dgm:cxn modelId="{CF07BEEC-5A0C-4C7B-83EB-211AEC0539FB}" type="presParOf" srcId="{A8A775D8-D4B5-4916-B321-FD86509AF34E}" destId="{82D272E8-9131-40B7-B2A6-A8416078D116}" srcOrd="5" destOrd="0" presId="urn:microsoft.com/office/officeart/2005/8/layout/hProcess7"/>
+    <dgm:cxn modelId="{D21109BE-DEBC-446D-B6AF-DD165329D92B}" type="presParOf" srcId="{A8A775D8-D4B5-4916-B321-FD86509AF34E}" destId="{458ABF64-4DCA-431E-B1C9-FD9EE7DBC2EA}" srcOrd="6" destOrd="0" presId="urn:microsoft.com/office/officeart/2005/8/layout/hProcess7"/>
+    <dgm:cxn modelId="{7295A995-835A-4B57-B6F2-1F12EB1D1BA7}" type="presParOf" srcId="{458ABF64-4DCA-431E-B1C9-FD9EE7DBC2EA}" destId="{F7C2F0A7-787C-48AE-B9B7-925E3D6544A0}" srcOrd="0" destOrd="0" presId="urn:microsoft.com/office/officeart/2005/8/layout/hProcess7"/>
+    <dgm:cxn modelId="{88CA12C2-2B76-4960-BC40-38A8F0E0B45F}" type="presParOf" srcId="{458ABF64-4DCA-431E-B1C9-FD9EE7DBC2EA}" destId="{373493D0-BF9A-4709-9912-3232487156EE}" srcOrd="1" destOrd="0" presId="urn:microsoft.com/office/officeart/2005/8/layout/hProcess7"/>
+    <dgm:cxn modelId="{4CA7793C-E1AD-4203-96EC-942D380559DE}" type="presParOf" srcId="{458ABF64-4DCA-431E-B1C9-FD9EE7DBC2EA}" destId="{2C024101-8AEE-4106-B9AF-0DB4B3610C39}" srcOrd="2" destOrd="0" presId="urn:microsoft.com/office/officeart/2005/8/layout/hProcess7"/>
+    <dgm:cxn modelId="{43ABFDD3-8EFC-4A90-9FF2-DD9FC39D14AF}" type="presParOf" srcId="{A8A775D8-D4B5-4916-B321-FD86509AF34E}" destId="{9C9C9929-2991-4BAC-94A7-5085DF927D03}" srcOrd="7" destOrd="0" presId="urn:microsoft.com/office/officeart/2005/8/layout/hProcess7"/>
+    <dgm:cxn modelId="{CFEA0532-281F-4DA2-910E-6A9D518B5F9D}" type="presParOf" srcId="{A8A775D8-D4B5-4916-B321-FD86509AF34E}" destId="{2D9322E1-AFA4-4148-9F6A-CE36124ADCF7}" srcOrd="8" destOrd="0" presId="urn:microsoft.com/office/officeart/2005/8/layout/hProcess7"/>
+    <dgm:cxn modelId="{AFED52A0-C444-4313-AB0B-8338E09F36A9}" type="presParOf" srcId="{2D9322E1-AFA4-4148-9F6A-CE36124ADCF7}" destId="{620C2F5D-F6D8-443B-8278-0D55FF964C7B}" srcOrd="0" destOrd="0" presId="urn:microsoft.com/office/officeart/2005/8/layout/hProcess7"/>
+    <dgm:cxn modelId="{914D7294-4BF6-4E82-9089-A01BC88635F7}" type="presParOf" srcId="{2D9322E1-AFA4-4148-9F6A-CE36124ADCF7}" destId="{17077B1C-E534-4DB9-9604-F874AF6C339B}" srcOrd="1" destOrd="0" presId="urn:microsoft.com/office/officeart/2005/8/layout/hProcess7"/>
+    <dgm:cxn modelId="{683F91A0-E042-4650-AB43-83F1E2AC3261}" type="presParOf" srcId="{2D9322E1-AFA4-4148-9F6A-CE36124ADCF7}" destId="{FC4AC0C5-7916-4D88-A747-2BFE52B3DDCE}" srcOrd="2" destOrd="0" presId="urn:microsoft.com/office/officeart/2005/8/layout/hProcess7"/>
+  </dgm:cxnLst>
+  <dgm:bg/>
+  <dgm:whole/>
+  <dgm:extLst>
+    <a:ext uri="http://schemas.microsoft.com/office/drawing/2008/diagram">
+      <dsp:dataModelExt xmlns:dsp="http://schemas.microsoft.com/office/drawing/2008/diagram" relId="rId6" minVer="http://schemas.openxmlformats.org/drawingml/2006/diagram"/>
+    </a:ext>
+  </dgm:extLst>
+</dgm:dataModel>
+</file>
+
+<file path=ppt/diagrams/drawing1.xml><?xml version="1.0" encoding="utf-8"?>
+<dsp:drawing xmlns:dgm="http://schemas.openxmlformats.org/drawingml/2006/diagram" xmlns:dsp="http://schemas.microsoft.com/office/drawing/2008/diagram" xmlns:a="http://schemas.openxmlformats.org/drawingml/2006/main">
+  <dsp:spTree>
+    <dsp:nvGrpSpPr>
+      <dsp:cNvPr id="0" name=""/>
+      <dsp:cNvGrpSpPr/>
+    </dsp:nvGrpSpPr>
+    <dsp:grpSpPr/>
+    <dsp:sp modelId="{B70B6F4E-1B66-45F2-B009-C116B812C003}">
+      <dsp:nvSpPr>
+        <dsp:cNvPr id="0" name=""/>
+        <dsp:cNvSpPr/>
+      </dsp:nvSpPr>
+      <dsp:spPr>
+        <a:xfrm>
+          <a:off x="366" y="200764"/>
+          <a:ext cx="1577935" cy="1893522"/>
+        </a:xfrm>
+        <a:prstGeom prst="roundRect">
+          <a:avLst>
+            <a:gd name="adj" fmla="val 5000"/>
+          </a:avLst>
+        </a:prstGeom>
+        <a:gradFill rotWithShape="0">
+          <a:gsLst>
+            <a:gs pos="0">
+              <a:schemeClr val="accent2">
+                <a:hueOff val="0"/>
+                <a:satOff val="0"/>
+                <a:lumOff val="0"/>
+                <a:alphaOff val="0"/>
+                <a:shade val="51000"/>
+                <a:satMod val="130000"/>
+              </a:schemeClr>
+            </a:gs>
+            <a:gs pos="80000">
+              <a:schemeClr val="accent2">
+                <a:hueOff val="0"/>
+                <a:satOff val="0"/>
+                <a:lumOff val="0"/>
+                <a:alphaOff val="0"/>
+                <a:shade val="93000"/>
+                <a:satMod val="130000"/>
+              </a:schemeClr>
+            </a:gs>
+            <a:gs pos="100000">
+              <a:schemeClr val="accent2">
+                <a:hueOff val="0"/>
+                <a:satOff val="0"/>
+                <a:lumOff val="0"/>
+                <a:alphaOff val="0"/>
+                <a:shade val="94000"/>
+                <a:satMod val="135000"/>
+              </a:schemeClr>
+            </a:gs>
+          </a:gsLst>
+          <a:lin ang="16200000" scaled="0"/>
+        </a:gradFill>
+        <a:ln>
+          <a:noFill/>
+        </a:ln>
+        <a:effectLst>
+          <a:outerShdw blurRad="40000" dist="23000" dir="5400000" rotWithShape="0">
+            <a:srgbClr val="000000">
+              <a:alpha val="35000"/>
+            </a:srgbClr>
+          </a:outerShdw>
+        </a:effectLst>
+        <a:scene3d>
+          <a:camera prst="orthographicFront">
+            <a:rot lat="0" lon="0" rev="0"/>
+          </a:camera>
+          <a:lightRig rig="threePt" dir="t">
+            <a:rot lat="0" lon="0" rev="1200000"/>
+          </a:lightRig>
+        </a:scene3d>
+        <a:sp3d>
+          <a:bevelT w="63500" h="25400"/>
+        </a:sp3d>
+      </dsp:spPr>
+      <dsp:style>
+        <a:lnRef idx="0">
+          <a:scrgbClr r="0" g="0" b="0"/>
+        </a:lnRef>
+        <a:fillRef idx="3">
+          <a:scrgbClr r="0" g="0" b="0"/>
+        </a:fillRef>
+        <a:effectRef idx="3">
+          <a:scrgbClr r="0" g="0" b="0"/>
+        </a:effectRef>
+        <a:fontRef idx="minor">
+          <a:schemeClr val="lt1"/>
+        </a:fontRef>
+      </dsp:style>
+      <dsp:txBody>
+        <a:bodyPr spcFirstLastPara="0" vert="horz" wrap="square" lIns="0" tIns="61722" rIns="80010" bIns="0" numCol="1" spcCol="1270" anchor="t" anchorCtr="0">
+          <a:noAutofit/>
+        </a:bodyPr>
+        <a:lstStyle/>
+        <a:p>
+          <a:pPr lvl="0" algn="r" defTabSz="800100">
+            <a:lnSpc>
+              <a:spcPct val="90000"/>
+            </a:lnSpc>
+            <a:spcBef>
+              <a:spcPct val="0"/>
+            </a:spcBef>
+            <a:spcAft>
+              <a:spcPct val="35000"/>
+            </a:spcAft>
+          </a:pPr>
+          <a:r>
+            <a:rPr lang="en-US" sz="1800" kern="1200" dirty="0" smtClean="0"/>
+            <a:t>Editor</a:t>
+          </a:r>
+          <a:endParaRPr lang="en-US" sz="1800" kern="1200" dirty="0"/>
+        </a:p>
+      </dsp:txBody>
+      <dsp:txXfrm rot="16200000">
+        <a:off x="-618183" y="819315"/>
+        <a:ext cx="1552688" cy="315587"/>
+      </dsp:txXfrm>
+    </dsp:sp>
+    <dsp:sp modelId="{4EB641AD-5193-416D-8CA2-20BDF251EB63}">
+      <dsp:nvSpPr>
+        <dsp:cNvPr id="0" name=""/>
+        <dsp:cNvSpPr/>
+      </dsp:nvSpPr>
+      <dsp:spPr>
+        <a:xfrm>
+          <a:off x="315953" y="200764"/>
+          <a:ext cx="1175561" cy="1893522"/>
+        </a:xfrm>
+        <a:prstGeom prst="rect">
+          <a:avLst/>
+        </a:prstGeom>
+        <a:noFill/>
+        <a:ln>
+          <a:noFill/>
+        </a:ln>
+        <a:effectLst>
+          <a:outerShdw blurRad="40000" dist="23000" dir="5400000" rotWithShape="0">
+            <a:srgbClr val="000000">
+              <a:alpha val="35000"/>
+            </a:srgbClr>
+          </a:outerShdw>
+        </a:effectLst>
+        <a:scene3d>
+          <a:camera prst="orthographicFront">
+            <a:rot lat="0" lon="0" rev="0"/>
+          </a:camera>
+          <a:lightRig rig="threePt" dir="t">
+            <a:rot lat="0" lon="0" rev="1200000"/>
+          </a:lightRig>
+        </a:scene3d>
+        <a:sp3d/>
+      </dsp:spPr>
+      <dsp:style>
+        <a:lnRef idx="0">
+          <a:scrgbClr r="0" g="0" b="0"/>
+        </a:lnRef>
+        <a:fillRef idx="3">
+          <a:scrgbClr r="0" g="0" b="0"/>
+        </a:fillRef>
+        <a:effectRef idx="3">
+          <a:scrgbClr r="0" g="0" b="0"/>
+        </a:effectRef>
+        <a:fontRef idx="minor">
+          <a:schemeClr val="lt1"/>
+        </a:fontRef>
+      </dsp:style>
+      <dsp:txBody>
+        <a:bodyPr spcFirstLastPara="0" vert="horz" wrap="square" lIns="0" tIns="72009" rIns="0" bIns="0" numCol="1" spcCol="1270" anchor="t" anchorCtr="0">
+          <a:noAutofit/>
+        </a:bodyPr>
+        <a:lstStyle/>
+        <a:p>
+          <a:pPr lvl="0" algn="l" defTabSz="933450">
+            <a:lnSpc>
+              <a:spcPct val="90000"/>
+            </a:lnSpc>
+            <a:spcBef>
+              <a:spcPct val="0"/>
+            </a:spcBef>
+            <a:spcAft>
+              <a:spcPct val="35000"/>
+            </a:spcAft>
+          </a:pPr>
+          <a:r>
+            <a:rPr lang="en-US" sz="2100" kern="1200" dirty="0" smtClean="0"/>
+            <a:t>Code Text</a:t>
+          </a:r>
+          <a:endParaRPr lang="en-US" sz="2100" kern="1200" dirty="0"/>
+        </a:p>
+      </dsp:txBody>
+      <dsp:txXfrm>
+        <a:off x="315953" y="200764"/>
+        <a:ext cx="1175561" cy="1893522"/>
+      </dsp:txXfrm>
+    </dsp:sp>
+    <dsp:sp modelId="{37145C66-8A82-40DA-88AB-1058B9968E3B}">
+      <dsp:nvSpPr>
+        <dsp:cNvPr id="0" name=""/>
+        <dsp:cNvSpPr/>
+      </dsp:nvSpPr>
+      <dsp:spPr>
+        <a:xfrm>
+          <a:off x="1633529" y="200764"/>
+          <a:ext cx="1577935" cy="1893522"/>
+        </a:xfrm>
+        <a:prstGeom prst="roundRect">
+          <a:avLst>
+            <a:gd name="adj" fmla="val 5000"/>
+          </a:avLst>
+        </a:prstGeom>
+        <a:gradFill rotWithShape="0">
+          <a:gsLst>
+            <a:gs pos="0">
+              <a:schemeClr val="accent3">
+                <a:hueOff val="0"/>
+                <a:satOff val="0"/>
+                <a:lumOff val="0"/>
+                <a:alphaOff val="0"/>
+                <a:shade val="51000"/>
+                <a:satMod val="130000"/>
+              </a:schemeClr>
+            </a:gs>
+            <a:gs pos="80000">
+              <a:schemeClr val="accent3">
+                <a:hueOff val="0"/>
+                <a:satOff val="0"/>
+                <a:lumOff val="0"/>
+                <a:alphaOff val="0"/>
+                <a:shade val="93000"/>
+                <a:satMod val="130000"/>
+              </a:schemeClr>
+            </a:gs>
+            <a:gs pos="100000">
+              <a:schemeClr val="accent3">
+                <a:hueOff val="0"/>
+                <a:satOff val="0"/>
+                <a:lumOff val="0"/>
+                <a:alphaOff val="0"/>
+                <a:shade val="94000"/>
+                <a:satMod val="135000"/>
+              </a:schemeClr>
+            </a:gs>
+          </a:gsLst>
+          <a:lin ang="16200000" scaled="0"/>
+        </a:gradFill>
+        <a:ln>
+          <a:noFill/>
+        </a:ln>
+        <a:effectLst>
+          <a:outerShdw blurRad="40000" dist="23000" dir="5400000" rotWithShape="0">
+            <a:srgbClr val="000000">
+              <a:alpha val="35000"/>
+            </a:srgbClr>
+          </a:outerShdw>
+        </a:effectLst>
+        <a:scene3d>
+          <a:camera prst="orthographicFront">
+            <a:rot lat="0" lon="0" rev="0"/>
+          </a:camera>
+          <a:lightRig rig="threePt" dir="t">
+            <a:rot lat="0" lon="0" rev="1200000"/>
+          </a:lightRig>
+        </a:scene3d>
+        <a:sp3d>
+          <a:bevelT w="63500" h="25400"/>
+        </a:sp3d>
+      </dsp:spPr>
+      <dsp:style>
+        <a:lnRef idx="0">
+          <a:scrgbClr r="0" g="0" b="0"/>
+        </a:lnRef>
+        <a:fillRef idx="3">
+          <a:scrgbClr r="0" g="0" b="0"/>
+        </a:fillRef>
+        <a:effectRef idx="3">
+          <a:scrgbClr r="0" g="0" b="0"/>
+        </a:effectRef>
+        <a:fontRef idx="minor">
+          <a:schemeClr val="lt1"/>
+        </a:fontRef>
+      </dsp:style>
+      <dsp:txBody>
+        <a:bodyPr spcFirstLastPara="0" vert="horz" wrap="square" lIns="0" tIns="61722" rIns="80010" bIns="0" numCol="1" spcCol="1270" anchor="t" anchorCtr="0">
+          <a:noAutofit/>
+        </a:bodyPr>
+        <a:lstStyle/>
+        <a:p>
+          <a:pPr lvl="0" algn="r" defTabSz="800100">
+            <a:lnSpc>
+              <a:spcPct val="90000"/>
+            </a:lnSpc>
+            <a:spcBef>
+              <a:spcPct val="0"/>
+            </a:spcBef>
+            <a:spcAft>
+              <a:spcPct val="35000"/>
+            </a:spcAft>
+          </a:pPr>
+          <a:r>
+            <a:rPr lang="en-US" sz="1800" kern="1200" dirty="0" smtClean="0"/>
+            <a:t>Scanner</a:t>
+          </a:r>
+          <a:endParaRPr lang="en-US" sz="1800" kern="1200" dirty="0"/>
+        </a:p>
+      </dsp:txBody>
+      <dsp:txXfrm rot="16200000">
+        <a:off x="1014979" y="819315"/>
+        <a:ext cx="1552688" cy="315587"/>
+      </dsp:txXfrm>
+    </dsp:sp>
+    <dsp:sp modelId="{BC718E29-9371-42C5-9F34-BA17469F6F26}">
+      <dsp:nvSpPr>
+        <dsp:cNvPr id="0" name=""/>
+        <dsp:cNvSpPr/>
+      </dsp:nvSpPr>
+      <dsp:spPr>
+        <a:xfrm rot="5400000">
+          <a:off x="1502344" y="1704955"/>
+          <a:ext cx="278149" cy="236690"/>
+        </a:xfrm>
+        <a:prstGeom prst="flowChartExtract">
+          <a:avLst/>
+        </a:prstGeom>
+        <a:solidFill>
+          <a:schemeClr val="lt1">
+            <a:hueOff val="0"/>
+            <a:satOff val="0"/>
+            <a:lumOff val="0"/>
+            <a:alphaOff val="0"/>
+          </a:schemeClr>
+        </a:solidFill>
+        <a:ln w="9525" cap="flat" cmpd="sng" algn="ctr">
+          <a:solidFill>
+            <a:schemeClr val="accent2">
+              <a:hueOff val="0"/>
+              <a:satOff val="0"/>
+              <a:lumOff val="0"/>
+              <a:alphaOff val="0"/>
+            </a:schemeClr>
+          </a:solidFill>
+          <a:prstDash val="solid"/>
+        </a:ln>
+        <a:effectLst>
+          <a:outerShdw blurRad="40000" dist="23000" dir="5400000" rotWithShape="0">
+            <a:srgbClr val="000000">
+              <a:alpha val="35000"/>
+            </a:srgbClr>
+          </a:outerShdw>
+        </a:effectLst>
+      </dsp:spPr>
+      <dsp:style>
+        <a:lnRef idx="1">
+          <a:scrgbClr r="0" g="0" b="0"/>
+        </a:lnRef>
+        <a:fillRef idx="1">
+          <a:scrgbClr r="0" g="0" b="0"/>
+        </a:fillRef>
+        <a:effectRef idx="2">
+          <a:scrgbClr r="0" g="0" b="0"/>
+        </a:effectRef>
+        <a:fontRef idx="minor"/>
+      </dsp:style>
+    </dsp:sp>
+    <dsp:sp modelId="{A9CF62B8-8277-4805-8E7A-69B7B75AE8D9}">
+      <dsp:nvSpPr>
+        <dsp:cNvPr id="0" name=""/>
+        <dsp:cNvSpPr/>
+      </dsp:nvSpPr>
+      <dsp:spPr>
+        <a:xfrm>
+          <a:off x="1949116" y="200764"/>
+          <a:ext cx="1175561" cy="1893522"/>
+        </a:xfrm>
+        <a:prstGeom prst="rect">
+          <a:avLst/>
+        </a:prstGeom>
+        <a:noFill/>
+        <a:ln>
+          <a:noFill/>
+        </a:ln>
+        <a:effectLst>
+          <a:outerShdw blurRad="40000" dist="23000" dir="5400000" rotWithShape="0">
+            <a:srgbClr val="000000">
+              <a:alpha val="35000"/>
+            </a:srgbClr>
+          </a:outerShdw>
+        </a:effectLst>
+        <a:scene3d>
+          <a:camera prst="orthographicFront">
+            <a:rot lat="0" lon="0" rev="0"/>
+          </a:camera>
+          <a:lightRig rig="threePt" dir="t">
+            <a:rot lat="0" lon="0" rev="1200000"/>
+          </a:lightRig>
+        </a:scene3d>
+        <a:sp3d/>
+      </dsp:spPr>
+      <dsp:style>
+        <a:lnRef idx="0">
+          <a:scrgbClr r="0" g="0" b="0"/>
+        </a:lnRef>
+        <a:fillRef idx="3">
+          <a:scrgbClr r="0" g="0" b="0"/>
+        </a:fillRef>
+        <a:effectRef idx="3">
+          <a:scrgbClr r="0" g="0" b="0"/>
+        </a:effectRef>
+        <a:fontRef idx="minor">
+          <a:schemeClr val="lt1"/>
+        </a:fontRef>
+      </dsp:style>
+      <dsp:txBody>
+        <a:bodyPr spcFirstLastPara="0" vert="horz" wrap="square" lIns="0" tIns="72009" rIns="0" bIns="0" numCol="1" spcCol="1270" anchor="t" anchorCtr="0">
+          <a:noAutofit/>
+        </a:bodyPr>
+        <a:lstStyle/>
+        <a:p>
+          <a:pPr lvl="0" algn="l" defTabSz="933450">
+            <a:lnSpc>
+              <a:spcPct val="90000"/>
+            </a:lnSpc>
+            <a:spcBef>
+              <a:spcPct val="0"/>
+            </a:spcBef>
+            <a:spcAft>
+              <a:spcPct val="35000"/>
+            </a:spcAft>
+          </a:pPr>
+          <a:r>
+            <a:rPr lang="en-US" sz="2100" kern="1200" dirty="0" smtClean="0"/>
+            <a:t>Language Tokens</a:t>
+          </a:r>
+          <a:endParaRPr lang="en-US" sz="2100" kern="1200" dirty="0"/>
+        </a:p>
+      </dsp:txBody>
+      <dsp:txXfrm>
+        <a:off x="1949116" y="200764"/>
+        <a:ext cx="1175561" cy="1893522"/>
+      </dsp:txXfrm>
+    </dsp:sp>
+    <dsp:sp modelId="{620C2F5D-F6D8-443B-8278-0D55FF964C7B}">
+      <dsp:nvSpPr>
+        <dsp:cNvPr id="0" name=""/>
+        <dsp:cNvSpPr/>
+      </dsp:nvSpPr>
+      <dsp:spPr>
+        <a:xfrm>
+          <a:off x="3266692" y="200764"/>
+          <a:ext cx="1577935" cy="1893522"/>
+        </a:xfrm>
+        <a:prstGeom prst="roundRect">
+          <a:avLst>
+            <a:gd name="adj" fmla="val 5000"/>
+          </a:avLst>
+        </a:prstGeom>
+        <a:gradFill rotWithShape="0">
+          <a:gsLst>
+            <a:gs pos="0">
+              <a:schemeClr val="accent4">
+                <a:hueOff val="0"/>
+                <a:satOff val="0"/>
+                <a:lumOff val="0"/>
+                <a:alphaOff val="0"/>
+                <a:shade val="51000"/>
+                <a:satMod val="130000"/>
+              </a:schemeClr>
+            </a:gs>
+            <a:gs pos="80000">
+              <a:schemeClr val="accent4">
+                <a:hueOff val="0"/>
+                <a:satOff val="0"/>
+                <a:lumOff val="0"/>
+                <a:alphaOff val="0"/>
+                <a:shade val="93000"/>
+                <a:satMod val="130000"/>
+              </a:schemeClr>
+            </a:gs>
+            <a:gs pos="100000">
+              <a:schemeClr val="accent4">
+                <a:hueOff val="0"/>
+                <a:satOff val="0"/>
+                <a:lumOff val="0"/>
+                <a:alphaOff val="0"/>
+                <a:shade val="94000"/>
+                <a:satMod val="135000"/>
+              </a:schemeClr>
+            </a:gs>
+          </a:gsLst>
+          <a:lin ang="16200000" scaled="0"/>
+        </a:gradFill>
+        <a:ln>
+          <a:noFill/>
+        </a:ln>
+        <a:effectLst>
+          <a:outerShdw blurRad="40000" dist="23000" dir="5400000" rotWithShape="0">
+            <a:srgbClr val="000000">
+              <a:alpha val="35000"/>
+            </a:srgbClr>
+          </a:outerShdw>
+        </a:effectLst>
+        <a:scene3d>
+          <a:camera prst="orthographicFront">
+            <a:rot lat="0" lon="0" rev="0"/>
+          </a:camera>
+          <a:lightRig rig="threePt" dir="t">
+            <a:rot lat="0" lon="0" rev="1200000"/>
+          </a:lightRig>
+        </a:scene3d>
+        <a:sp3d>
+          <a:bevelT w="63500" h="25400"/>
+        </a:sp3d>
+      </dsp:spPr>
+      <dsp:style>
+        <a:lnRef idx="0">
+          <a:scrgbClr r="0" g="0" b="0"/>
+        </a:lnRef>
+        <a:fillRef idx="3">
+          <a:scrgbClr r="0" g="0" b="0"/>
+        </a:fillRef>
+        <a:effectRef idx="3">
+          <a:scrgbClr r="0" g="0" b="0"/>
+        </a:effectRef>
+        <a:fontRef idx="minor">
+          <a:schemeClr val="lt1"/>
+        </a:fontRef>
+      </dsp:style>
+      <dsp:txBody>
+        <a:bodyPr spcFirstLastPara="0" vert="horz" wrap="square" lIns="0" tIns="61722" rIns="80010" bIns="0" numCol="1" spcCol="1270" anchor="t" anchorCtr="0">
+          <a:noAutofit/>
+        </a:bodyPr>
+        <a:lstStyle/>
+        <a:p>
+          <a:pPr lvl="0" algn="r" defTabSz="800100">
+            <a:lnSpc>
+              <a:spcPct val="90000"/>
+            </a:lnSpc>
+            <a:spcBef>
+              <a:spcPct val="0"/>
+            </a:spcBef>
+            <a:spcAft>
+              <a:spcPct val="35000"/>
+            </a:spcAft>
+          </a:pPr>
+          <a:r>
+            <a:rPr lang="en-US" sz="1800" kern="1200" dirty="0" smtClean="0"/>
+            <a:t>Syntax </a:t>
+          </a:r>
+          <a:r>
+            <a:rPr lang="en-US" altLang="zh-CN" sz="1800" kern="1200" dirty="0" smtClean="0"/>
+            <a:t>Tree</a:t>
+          </a:r>
+          <a:endParaRPr lang="en-US" sz="1800" kern="1200" dirty="0"/>
+        </a:p>
+      </dsp:txBody>
+      <dsp:txXfrm rot="16200000">
+        <a:off x="2648142" y="819315"/>
+        <a:ext cx="1552688" cy="315587"/>
+      </dsp:txXfrm>
+    </dsp:sp>
+    <dsp:sp modelId="{373493D0-BF9A-4709-9912-3232487156EE}">
+      <dsp:nvSpPr>
+        <dsp:cNvPr id="0" name=""/>
+        <dsp:cNvSpPr/>
+      </dsp:nvSpPr>
+      <dsp:spPr>
+        <a:xfrm rot="5400000">
+          <a:off x="3135508" y="1704955"/>
+          <a:ext cx="278149" cy="236690"/>
+        </a:xfrm>
+        <a:prstGeom prst="flowChartExtract">
+          <a:avLst/>
+        </a:prstGeom>
+        <a:solidFill>
+          <a:schemeClr val="lt1">
+            <a:hueOff val="0"/>
+            <a:satOff val="0"/>
+            <a:lumOff val="0"/>
+            <a:alphaOff val="0"/>
+          </a:schemeClr>
+        </a:solidFill>
+        <a:ln w="9525" cap="flat" cmpd="sng" algn="ctr">
+          <a:solidFill>
+            <a:schemeClr val="accent3">
+              <a:hueOff val="0"/>
+              <a:satOff val="0"/>
+              <a:lumOff val="0"/>
+              <a:alphaOff val="0"/>
+            </a:schemeClr>
+          </a:solidFill>
+          <a:prstDash val="solid"/>
+        </a:ln>
+        <a:effectLst>
+          <a:outerShdw blurRad="40000" dist="23000" dir="5400000" rotWithShape="0">
+            <a:srgbClr val="000000">
+              <a:alpha val="35000"/>
+            </a:srgbClr>
+          </a:outerShdw>
+        </a:effectLst>
+      </dsp:spPr>
+      <dsp:style>
+        <a:lnRef idx="1">
+          <a:scrgbClr r="0" g="0" b="0"/>
+        </a:lnRef>
+        <a:fillRef idx="1">
+          <a:scrgbClr r="0" g="0" b="0"/>
+        </a:fillRef>
+        <a:effectRef idx="2">
+          <a:scrgbClr r="0" g="0" b="0"/>
+        </a:effectRef>
+        <a:fontRef idx="minor"/>
+      </dsp:style>
+    </dsp:sp>
+    <dsp:sp modelId="{FC4AC0C5-7916-4D88-A747-2BFE52B3DDCE}">
+      <dsp:nvSpPr>
+        <dsp:cNvPr id="0" name=""/>
+        <dsp:cNvSpPr/>
+      </dsp:nvSpPr>
+      <dsp:spPr>
+        <a:xfrm>
+          <a:off x="3582280" y="200764"/>
+          <a:ext cx="1175561" cy="1893522"/>
+        </a:xfrm>
+        <a:prstGeom prst="rect">
+          <a:avLst/>
+        </a:prstGeom>
+        <a:noFill/>
+        <a:ln>
+          <a:noFill/>
+        </a:ln>
+        <a:effectLst>
+          <a:outerShdw blurRad="40000" dist="23000" dir="5400000" rotWithShape="0">
+            <a:srgbClr val="000000">
+              <a:alpha val="35000"/>
+            </a:srgbClr>
+          </a:outerShdw>
+        </a:effectLst>
+        <a:scene3d>
+          <a:camera prst="orthographicFront">
+            <a:rot lat="0" lon="0" rev="0"/>
+          </a:camera>
+          <a:lightRig rig="threePt" dir="t">
+            <a:rot lat="0" lon="0" rev="1200000"/>
+          </a:lightRig>
+        </a:scene3d>
+        <a:sp3d/>
+      </dsp:spPr>
+      <dsp:style>
+        <a:lnRef idx="0">
+          <a:scrgbClr r="0" g="0" b="0"/>
+        </a:lnRef>
+        <a:fillRef idx="3">
+          <a:scrgbClr r="0" g="0" b="0"/>
+        </a:fillRef>
+        <a:effectRef idx="3">
+          <a:scrgbClr r="0" g="0" b="0"/>
+        </a:effectRef>
+        <a:fontRef idx="minor">
+          <a:schemeClr val="lt1"/>
+        </a:fontRef>
+      </dsp:style>
+      <dsp:txBody>
+        <a:bodyPr spcFirstLastPara="0" vert="horz" wrap="square" lIns="0" tIns="72009" rIns="0" bIns="0" numCol="1" spcCol="1270" anchor="t" anchorCtr="0">
+          <a:noAutofit/>
+        </a:bodyPr>
+        <a:lstStyle/>
+        <a:p>
+          <a:pPr lvl="0" algn="l" defTabSz="933450">
+            <a:lnSpc>
+              <a:spcPct val="90000"/>
+            </a:lnSpc>
+            <a:spcBef>
+              <a:spcPct val="0"/>
+            </a:spcBef>
+            <a:spcAft>
+              <a:spcPct val="35000"/>
+            </a:spcAft>
+          </a:pPr>
+          <a:r>
+            <a:rPr lang="en-US" sz="2100" kern="1200" dirty="0" smtClean="0"/>
+            <a:t>Expression Model</a:t>
+          </a:r>
+          <a:endParaRPr lang="en-US" sz="2100" kern="1200" dirty="0"/>
+        </a:p>
+      </dsp:txBody>
+      <dsp:txXfrm>
+        <a:off x="3582280" y="200764"/>
+        <a:ext cx="1175561" cy="1893522"/>
+      </dsp:txXfrm>
+    </dsp:sp>
+  </dsp:spTree>
+</dsp:drawing>
+</file>
+
+<file path=ppt/diagrams/layout1.xml><?xml version="1.0" encoding="utf-8"?>
+<dgm:layoutDef xmlns:dgm="http://schemas.openxmlformats.org/drawingml/2006/diagram" xmlns:a="http://schemas.openxmlformats.org/drawingml/2006/main" uniqueId="urn:microsoft.com/office/officeart/2005/8/layout/hProcess7">
+  <dgm:title val=""/>
+  <dgm:desc val=""/>
+  <dgm:catLst>
+    <dgm:cat type="process" pri="21000"/>
+    <dgm:cat type="list" pri="9000"/>
+  </dgm:catLst>
+  <dgm:sampData>
+    <dgm:dataModel>
+      <dgm:ptLst>
+        <dgm:pt modelId="0" type="doc"/>
+        <dgm:pt modelId="1">
+          <dgm:prSet phldr="1"/>
+        </dgm:pt>
+        <dgm:pt modelId="11">
+          <dgm:prSet phldr="1"/>
+        </dgm:pt>
+        <dgm:pt modelId="2">
+          <dgm:prSet phldr="1"/>
+        </dgm:pt>
+        <dgm:pt modelId="21">
+          <dgm:prSet phldr="1"/>
+        </dgm:pt>
+        <dgm:pt modelId="3">
+          <dgm:prSet phldr="1"/>
+        </dgm:pt>
+        <dgm:pt modelId="31">
+          <dgm:prSet phldr="1"/>
+        </dgm:pt>
+      </dgm:ptLst>
+      <dgm:cxnLst>
+        <dgm:cxn modelId="4" srcId="0" destId="1" srcOrd="0" destOrd="0"/>
+        <dgm:cxn modelId="5" srcId="0" destId="2" srcOrd="1" destOrd="0"/>
+        <dgm:cxn modelId="6" srcId="0" destId="3" srcOrd="2" destOrd="0"/>
+        <dgm:cxn modelId="13" srcId="1" destId="11" srcOrd="0" destOrd="0"/>
+        <dgm:cxn modelId="23" srcId="2" destId="21" srcOrd="0" destOrd="0"/>
+        <dgm:cxn modelId="33" srcId="3" destId="31" srcOrd="0" destOrd="0"/>
+      </dgm:cxnLst>
+      <dgm:bg/>
+      <dgm:whole/>
+    </dgm:dataModel>
+  </dgm:sampData>
+  <dgm:styleData>
+    <dgm:dataModel>
+      <dgm:ptLst>
+        <dgm:pt modelId="0" type="doc"/>
+        <dgm:pt modelId="1"/>
+        <dgm:pt modelId="11"/>
+        <dgm:pt modelId="2"/>
+        <dgm:pt modelId="21"/>
+      </dgm:ptLst>
+      <dgm:cxnLst>
+        <dgm:cxn modelId="4" srcId="0" destId="1" srcOrd="0" destOrd="0"/>
+        <dgm:cxn modelId="5" srcId="0" destId="2" srcOrd="1" destOrd="0"/>
+        <dgm:cxn modelId="13" srcId="1" destId="11" srcOrd="0" destOrd="0"/>
+        <dgm:cxn modelId="23" srcId="2" destId="21" srcOrd="0" destOrd="0"/>
+      </dgm:cxnLst>
+      <dgm:bg/>
+      <dgm:whole/>
+    </dgm:dataModel>
+  </dgm:styleData>
+  <dgm:clrData>
+    <dgm:dataModel>
+      <dgm:ptLst>
+        <dgm:pt modelId="0" type="doc"/>
+        <dgm:pt modelId="1"/>
+        <dgm:pt modelId="11"/>
+        <dgm:pt modelId="2"/>
+        <dgm:pt modelId="21"/>
+        <dgm:pt modelId="3"/>
+        <dgm:pt modelId="31"/>
+        <dgm:pt modelId="4"/>
+        <dgm:pt modelId="41"/>
+      </dgm:ptLst>
+      <dgm:cxnLst>
+        <dgm:cxn modelId="5" srcId="0" destId="1" srcOrd="0" destOrd="0"/>
+        <dgm:cxn modelId="6" srcId="0" destId="2" srcOrd="1" destOrd="0"/>
+        <dgm:cxn modelId="7" srcId="0" destId="3" srcOrd="2" destOrd="0"/>
+        <dgm:cxn modelId="8" srcId="0" destId="4" srcOrd="3" destOrd="0"/>
+        <dgm:cxn modelId="13" srcId="1" destId="11" srcOrd="0" destOrd="0"/>
+        <dgm:cxn modelId="23" srcId="2" destId="21" srcOrd="0" destOrd="0"/>
+        <dgm:cxn modelId="33" srcId="3" destId="31" srcOrd="0" destOrd="0"/>
+        <dgm:cxn modelId="43" srcId="4" destId="41" srcOrd="0" destOrd="0"/>
+      </dgm:cxnLst>
+      <dgm:bg/>
+      <dgm:whole/>
+    </dgm:dataModel>
+  </dgm:clrData>
+  <dgm:layoutNode name="Name0">
+    <dgm:varLst>
+      <dgm:dir/>
+      <dgm:animLvl val="lvl"/>
+      <dgm:resizeHandles val="exact"/>
+    </dgm:varLst>
+    <dgm:choose name="Name1">
+      <dgm:if name="Name2" func="var" arg="dir" op="equ" val="norm">
+        <dgm:alg type="lin">
+          <dgm:param type="linDir" val="fromL"/>
+          <dgm:param type="nodeVertAlign" val="t"/>
+        </dgm:alg>
+      </dgm:if>
+      <dgm:else name="Name3">
+        <dgm:alg type="lin">
+          <dgm:param type="linDir" val="fromR"/>
+          <dgm:param type="nodeVertAlign" val="t"/>
+        </dgm:alg>
+      </dgm:else>
+    </dgm:choose>
+    <dgm:shape xmlns:r="http://schemas.openxmlformats.org/officeDocument/2006/relationships" r:blip="">
+      <dgm:adjLst/>
+    </dgm:shape>
+    <dgm:presOf/>
+    <dgm:constrLst>
+      <dgm:constr type="h" for="ch" forName="compositeNode" refType="h"/>
+      <dgm:constr type="w" for="ch" forName="compositeNode" refType="w"/>
+      <dgm:constr type="w" for="ch" forName="hSp" refType="w" refFor="ch" refForName="compositeNode" fact="-0.035"/>
+      <dgm:constr type="w" for="des" forName="simulatedConn" refType="w" refFor="ch" refForName="compositeNode" fact="0.15"/>
+      <dgm:constr type="h" for="des" forName="simulatedConn" refType="w" refFor="des" refForName="simulatedConn"/>
+      <dgm:constr type="h" for="des" forName="vSp1" refType="w" refFor="ch" refForName="compositeNode" fact="0.8"/>
+      <dgm:constr type="h" for="des" forName="vSp2" refType="w" refFor="ch" refForName="compositeNode" fact="0.07"/>
+      <dgm:constr type="w" for="ch" forName="vProcSp" refType="w" refFor="des" refForName="simulatedConn" op="equ"/>
+      <dgm:constr type="h" for="ch" forName="vProcSp" refType="h" refFor="ch" refForName="compositeNode" op="equ"/>
+      <dgm:constr type="w" for="ch" forName="sibTrans" refType="w" refFor="ch" refForName="compositeNode" fact="-0.08"/>
+      <dgm:constr type="primFontSz" for="des" forName="parentNode" op="equ"/>
+      <dgm:constr type="primFontSz" for="des" forName="childNode" op="equ"/>
+    </dgm:constrLst>
+    <dgm:ruleLst/>
+    <dgm:forEach name="Name4" axis="ch" ptType="node">
+      <dgm:layoutNode name="compositeNode">
+        <dgm:varLst>
+          <dgm:bulletEnabled val="1"/>
+        </dgm:varLst>
+        <dgm:alg type="composite"/>
+        <dgm:choose name="Name5">
+          <dgm:if name="Name6" func="var" arg="dir" op="equ" val="norm">
+            <dgm:constrLst>
+              <dgm:constr type="h" refType="w" op="lte" fact="1.2"/>
+              <dgm:constr type="w" for="ch" forName="bgRect" refType="w"/>
+              <dgm:constr type="h" for="ch" forName="bgRect" refType="h"/>
+              <dgm:constr type="t" for="ch" forName="bgRect"/>
+              <dgm:constr type="l" for="ch" forName="bgRect"/>
+              <dgm:constr type="w" for="ch" forName="parentNode" refType="w" refFor="ch" refForName="bgRect" fact="0.2"/>
+              <dgm:constr type="h" for="ch" forName="parentNode" refType="h" fact="0.82"/>
+              <dgm:constr type="t" for="ch" forName="parentNode"/>
+              <dgm:constr type="l" for="ch" forName="parentNode"/>
+              <dgm:constr type="r" for="ch" forName="childNode" refType="r" refFor="ch" refForName="bgRect" fact="0.945"/>
+              <dgm:constr type="h" for="ch" forName="childNode" refType="h" refFor="ch" refForName="bgRect" op="equ"/>
+              <dgm:constr type="t" for="ch" forName="childNode"/>
+              <dgm:constr type="l" for="ch" forName="childNode" refType="r" refFor="ch" refForName="parentNode"/>
+            </dgm:constrLst>
+          </dgm:if>
+          <dgm:else name="Name7">
+            <dgm:constrLst>
+              <dgm:constr type="h" refType="w" op="lte" fact="1.2"/>
+              <dgm:constr type="w" for="ch" forName="bgRect" refType="w"/>
+              <dgm:constr type="h" for="ch" forName="bgRect" refType="h"/>
+              <dgm:constr type="t" for="ch" forName="bgRect"/>
+              <dgm:constr type="r" for="ch" forName="bgRect" refType="w"/>
+              <dgm:constr type="w" for="ch" forName="parentNode" refType="w" refFor="ch" refForName="bgRect" fact="0.2"/>
+              <dgm:constr type="h" for="ch" forName="parentNode" refType="h" fact="0.82"/>
+              <dgm:constr type="t" for="ch" forName="parentNode"/>
+              <dgm:constr type="r" for="ch" forName="parentNode" refType="w"/>
+              <dgm:constr type="h" for="ch" forName="childNode" refType="h" refFor="ch" refForName="bgRect"/>
+              <dgm:constr type="t" for="ch" forName="childNode"/>
+              <dgm:constr type="r" for="ch" forName="childNode" refType="l" refFor="ch" refForName="parentNode"/>
+              <dgm:constr type="l" for="ch" forName="childNode" refType="w" refFor="ch" refForName="bgRect" fact="0.055"/>
+            </dgm:constrLst>
+          </dgm:else>
+        </dgm:choose>
+        <dgm:ruleLst>
+          <dgm:rule type="w" for="ch" forName="childNode" val="NaN" fact="NaN" max="30"/>
+        </dgm:ruleLst>
+        <dgm:layoutNode name="bgRect" styleLbl="node1">
+          <dgm:alg type="sp"/>
+          <dgm:shape xmlns:r="http://schemas.openxmlformats.org/officeDocument/2006/relationships" type="roundRect" r:blip="" zOrderOff="-1">
+            <dgm:adjLst>
+              <dgm:adj idx="1" val="0.05"/>
+            </dgm:adjLst>
+          </dgm:shape>
+          <dgm:presOf axis="self"/>
+          <dgm:constrLst/>
+          <dgm:ruleLst/>
+        </dgm:layoutNode>
+        <dgm:layoutNode name="parentNode" styleLbl="node1">
+          <dgm:varLst>
+            <dgm:chMax val="0"/>
+            <dgm:bulletEnabled val="1"/>
+          </dgm:varLst>
+          <dgm:presOf axis="self"/>
+          <dgm:choose name="Name8">
+            <dgm:if name="Name9" func="var" arg="dir" op="equ" val="norm">
+              <dgm:alg type="tx">
+                <dgm:param type="autoTxRot" val="grav"/>
+                <dgm:param type="txAnchorVert" val="t"/>
+                <dgm:param type="parTxLTRAlign" val="r"/>
+                <dgm:param type="parTxRTLAlign" val="r"/>
+              </dgm:alg>
+              <dgm:shape xmlns:r="http://schemas.openxmlformats.org/officeDocument/2006/relationships" rot="270" type="rect" r:blip="" hideGeom="1">
+                <dgm:adjLst/>
+              </dgm:shape>
+              <dgm:constrLst>
+                <dgm:constr type="primFontSz" val="65"/>
+                <dgm:constr type="lMarg"/>
+                <dgm:constr type="rMarg" refType="primFontSz" fact="0.35"/>
+                <dgm:constr type="tMarg" refType="primFontSz" fact="0.27"/>
+                <dgm:constr type="bMarg"/>
+              </dgm:constrLst>
+            </dgm:if>
+            <dgm:else name="Name10">
+              <dgm:alg type="tx">
+                <dgm:param type="autoTxRot" val="grav"/>
+                <dgm:param type="txAnchorVert" val="t"/>
+                <dgm:param type="parTxLTRAlign" val="l"/>
+                <dgm:param type="parTxRTLAlign" val="l"/>
+              </dgm:alg>
+              <dgm:shape xmlns:r="http://schemas.openxmlformats.org/officeDocument/2006/relationships" rot="90" type="rect" r:blip="" hideGeom="1">
+                <dgm:adjLst/>
+              </dgm:shape>
+              <dgm:constrLst>
+                <dgm:constr type="primFontSz" val="65"/>
+                <dgm:constr type="lMarg" refType="primFontSz" fact="0.35"/>
+                <dgm:constr type="rMarg"/>
+                <dgm:constr type="tMarg" refType="primFontSz" fact="0.27"/>
+                <dgm:constr type="bMarg"/>
+              </dgm:constrLst>
+            </dgm:else>
+          </dgm:choose>
+          <dgm:ruleLst>
+            <dgm:rule type="primFontSz" val="5" fact="NaN" max="NaN"/>
+          </dgm:ruleLst>
+        </dgm:layoutNode>
+        <dgm:choose name="Name11">
+          <dgm:if name="Name12" axis="ch" ptType="node" func="cnt" op="gte" val="1">
+            <dgm:layoutNode name="childNode" styleLbl="node1" moveWith="bgRect">
+              <dgm:varLst>
+                <dgm:bulletEnabled val="1"/>
+              </dgm:varLst>
+              <dgm:alg type="tx">
+                <dgm:param type="parTxLTRAlign" val="l"/>
+                <dgm:param type="parTxRTLAlign" val="r"/>
+                <dgm:param type="txAnchorVert" val="t"/>
+              </dgm:alg>
+              <dgm:shape xmlns:r="http://schemas.openxmlformats.org/officeDocument/2006/relationships" type="rect" r:blip="" hideGeom="1">
+                <dgm:adjLst/>
+              </dgm:shape>
+              <dgm:presOf axis="des" ptType="node"/>
+              <dgm:constrLst>
+                <dgm:constr type="primFontSz" val="65"/>
+                <dgm:constr type="lMarg"/>
+                <dgm:constr type="bMarg"/>
+                <dgm:constr type="tMarg" refType="primFontSz" fact="0.27"/>
+                <dgm:constr type="rMarg"/>
+              </dgm:constrLst>
+              <dgm:ruleLst>
+                <dgm:rule type="primFontSz" val="5" fact="NaN" max="NaN"/>
+              </dgm:ruleLst>
+            </dgm:layoutNode>
+          </dgm:if>
+          <dgm:else name="Name13"/>
+        </dgm:choose>
+      </dgm:layoutNode>
+      <dgm:forEach name="Name14" axis="followSib" ptType="sibTrans" cnt="1">
+        <dgm:layoutNode name="hSp">
+          <dgm:alg type="sp"/>
+          <dgm:shape xmlns:r="http://schemas.openxmlformats.org/officeDocument/2006/relationships" r:blip="">
+            <dgm:adjLst/>
+          </dgm:shape>
+          <dgm:presOf/>
+          <dgm:constrLst/>
+          <dgm:ruleLst/>
+        </dgm:layoutNode>
+        <dgm:layoutNode name="vProcSp" moveWith="bgRect">
+          <dgm:alg type="lin">
+            <dgm:param type="linDir" val="fromT"/>
+          </dgm:alg>
+          <dgm:shape xmlns:r="http://schemas.openxmlformats.org/officeDocument/2006/relationships" r:blip="">
+            <dgm:adjLst/>
+          </dgm:shape>
+          <dgm:presOf/>
+          <dgm:constrLst>
+            <dgm:constr type="w" for="ch" forName="vSp1" refType="w"/>
+            <dgm:constr type="w" for="ch" forName="simulatedConn" refType="w"/>
+            <dgm:constr type="w" for="ch" forName="vSp2" refType="w"/>
+          </dgm:constrLst>
+          <dgm:ruleLst/>
+          <dgm:layoutNode name="vSp1">
+            <dgm:alg type="sp"/>
+            <dgm:shape xmlns:r="http://schemas.openxmlformats.org/officeDocument/2006/relationships" r:blip="">
+              <dgm:adjLst/>
+            </dgm:shape>
+            <dgm:presOf/>
+            <dgm:constrLst/>
+            <dgm:ruleLst/>
+          </dgm:layoutNode>
+          <dgm:layoutNode name="simulatedConn" styleLbl="solidFgAcc1">
+            <dgm:alg type="sp"/>
+            <dgm:choose name="Name15">
+              <dgm:if name="Name16" func="var" arg="dir" op="equ" val="norm">
+                <dgm:shape xmlns:r="http://schemas.openxmlformats.org/officeDocument/2006/relationships" rot="90" type="flowChartExtract" r:blip="">
+                  <dgm:adjLst/>
+                </dgm:shape>
+              </dgm:if>
+              <dgm:else name="Name17">
+                <dgm:shape xmlns:r="http://schemas.openxmlformats.org/officeDocument/2006/relationships" rot="-90" type="flowChartExtract" r:blip="">
+                  <dgm:adjLst/>
+                </dgm:shape>
+              </dgm:else>
+            </dgm:choose>
+            <dgm:presOf/>
+            <dgm:constrLst/>
+            <dgm:ruleLst/>
+          </dgm:layoutNode>
+          <dgm:layoutNode name="vSp2">
+            <dgm:alg type="sp"/>
+            <dgm:shape xmlns:r="http://schemas.openxmlformats.org/officeDocument/2006/relationships" r:blip="">
+              <dgm:adjLst/>
+            </dgm:shape>
+            <dgm:presOf/>
+            <dgm:constrLst/>
+            <dgm:ruleLst/>
+          </dgm:layoutNode>
+        </dgm:layoutNode>
+        <dgm:layoutNode name="sibTrans">
+          <dgm:alg type="sp"/>
+          <dgm:shape xmlns:r="http://schemas.openxmlformats.org/officeDocument/2006/relationships" r:blip="">
+            <dgm:adjLst/>
+          </dgm:shape>
+          <dgm:presOf/>
+          <dgm:constrLst/>
+          <dgm:ruleLst/>
+        </dgm:layoutNode>
+      </dgm:forEach>
+    </dgm:forEach>
+  </dgm:layoutNode>
+</dgm:layoutDef>
+</file>
+
+<file path=ppt/diagrams/quickStyle1.xml><?xml version="1.0" encoding="utf-8"?>
+<dgm:styleDef xmlns:dgm="http://schemas.openxmlformats.org/drawingml/2006/diagram" xmlns:a="http://schemas.openxmlformats.org/drawingml/2006/main" uniqueId="urn:microsoft.com/office/officeart/2005/8/quickstyle/simple5">
+  <dgm:title val=""/>
+  <dgm:desc val=""/>
+  <dgm:catLst>
+    <dgm:cat type="simple" pri="10500"/>
+  </dgm:catLst>
+  <dgm:scene3d>
+    <a:camera prst="orthographicFront"/>
+    <a:lightRig rig="threePt" dir="t"/>
+  </dgm:scene3d>
+  <dgm:styleLbl name="node0">
+    <dgm:scene3d>
+      <a:camera prst="orthographicFront"/>
+      <a:lightRig rig="threePt" dir="t"/>
+    </dgm:scene3d>
+    <dgm:sp3d/>
+    <dgm:txPr/>
+    <dgm:style>
+      <a:lnRef idx="0">
+        <a:scrgbClr r="0" g="0" b="0"/>
+      </a:lnRef>
+      <a:fillRef idx="3">
+        <a:scrgbClr r="0" g="0" b="0"/>
+      </a:fillRef>
+      <a:effectRef idx="3">
+        <a:scrgbClr r="0" g="0" b="0"/>
+      </a:effectRef>
+      <a:fontRef idx="minor">
+        <a:schemeClr val="lt1"/>
+      </a:fontRef>
+    </dgm:style>
+  </dgm:styleLbl>
+  <dgm:styleLbl name="lnNode1">
+    <dgm:scene3d>
+      <a:camera prst="orthographicFront"/>
+      <a:lightRig rig="threePt" dir="t"/>
+    </dgm:scene3d>
+    <dgm:sp3d/>
+    <dgm:txPr/>
+    <dgm:style>
+      <a:lnRef idx="0">
+        <a:scrgbClr r="0" g="0" b="0"/>
+      </a:lnRef>
+      <a:fillRef idx="3">
+        <a:scrgbClr r="0" g="0" b="0"/>
+      </a:fillRef>
+      <a:effectRef idx="3">
+        <a:scrgbClr r="0" g="0" b="0"/>
+      </a:effectRef>
+      <a:fontRef idx="minor">
+        <a:schemeClr val="lt1"/>
+      </a:fontRef>
+    </dgm:style>
+  </dgm:styleLbl>
+  <dgm:styleLbl name="vennNode1">
+    <dgm:scene3d>
+      <a:camera prst="orthographicFront"/>
+      <a:lightRig rig="threePt" dir="t"/>
+    </dgm:scene3d>
+    <dgm:sp3d/>
+    <dgm:txPr/>
+    <dgm:style>
+      <a:lnRef idx="0">
+        <a:scrgbClr r="0" g="0" b="0"/>
+      </a:lnRef>
+      <a:fillRef idx="3">
+        <a:scrgbClr r="0" g="0" b="0"/>
+      </a:fillRef>
+      <a:effectRef idx="3">
+        <a:scrgbClr r="0" g="0" b="0"/>
+      </a:effectRef>
+      <a:fontRef idx="minor">
+        <a:schemeClr val="tx1"/>
+      </a:fontRef>
+    </dgm:style>
+  </dgm:styleLbl>
+  <dgm:styleLbl name="alignNode1">
+    <dgm:scene3d>
+      <a:camera prst="orthographicFront"/>
+      <a:lightRig rig="threePt" dir="t"/>
+    </dgm:scene3d>
+    <dgm:sp3d/>
+    <dgm:txPr/>
+    <dgm:style>
+      <a:lnRef idx="1">
+        <a:scrgbClr r="0" g="0" b="0"/>
+      </a:lnRef>
+      <a:fillRef idx="3">
+        <a:scrgbClr r="0" g="0" b="0"/>
+      </a:fillRef>
+      <a:effectRef idx="3">
+        <a:scrgbClr r="0" g="0" b="0"/>
+      </a:effectRef>
+      <a:fontRef idx="minor">
+        <a:schemeClr val="lt1"/>
+      </a:fontRef>
+    </dgm:style>
+  </dgm:styleLbl>
+  <dgm:styleLbl name="node1">
+    <dgm:scene3d>
+      <a:camera prst="orthographicFront"/>
+      <a:lightRig rig="threePt" dir="t"/>
+    </dgm:scene3d>
+    <dgm:sp3d/>
+    <dgm:txPr/>
+    <dgm:style>
+      <a:lnRef idx="0">
+        <a:scrgbClr r="0" g="0" b="0"/>
+      </a:lnRef>
+      <a:fillRef idx="3">
+        <a:scrgbClr r="0" g="0" b="0"/>
+      </a:fillRef>
+      <a:effectRef idx="3">
+        <a:scrgbClr r="0" g="0" b="0"/>
+      </a:effectRef>
+      <a:fontRef idx="minor">
+        <a:schemeClr val="lt1"/>
+      </a:fontRef>
+    </dgm:style>
+  </dgm:styleLbl>
+  <dgm:styleLbl name="node2">
+    <dgm:scene3d>
+      <a:camera prst="orthographicFront"/>
+      <a:lightRig rig="threePt" dir="t"/>
+    </dgm:scene3d>
+    <dgm:sp3d/>
+    <dgm:txPr/>
+    <dgm:style>
+      <a:lnRef idx="0">
+        <a:scrgbClr r="0" g="0" b="0"/>
+      </a:lnRef>
+      <a:fillRef idx="3">
+        <a:scrgbClr r="0" g="0" b="0"/>
+      </a:fillRef>
+      <a:effectRef idx="3">
+        <a:scrgbClr r="0" g="0" b="0"/>
+      </a:effectRef>
+      <a:fontRef idx="minor">
+        <a:schemeClr val="lt1"/>
+      </a:fontRef>
+    </dgm:style>
+  </dgm:styleLbl>
+  <dgm:styleLbl name="node3">
+    <dgm:scene3d>
+      <a:camera prst="orthographicFront"/>
+      <a:lightRig rig="threePt" dir="t"/>
+    </dgm:scene3d>
+    <dgm:sp3d/>
+    <dgm:txPr/>
+    <dgm:style>
+      <a:lnRef idx="0">
+        <a:scrgbClr r="0" g="0" b="0"/>
+      </a:lnRef>
+      <a:fillRef idx="3">
+        <a:scrgbClr r="0" g="0" b="0"/>
+      </a:fillRef>
+      <a:effectRef idx="3">
+        <a:scrgbClr r="0" g="0" b="0"/>
+      </a:effectRef>
+      <a:fontRef idx="minor">
+        <a:schemeClr val="lt1"/>
+      </a:fontRef>
+    </dgm:style>
+  </dgm:styleLbl>
+  <dgm:styleLbl name="node4">
+    <dgm:scene3d>
+      <a:camera prst="orthographicFront"/>
+      <a:lightRig rig="threePt" dir="t"/>
+    </dgm:scene3d>
+    <dgm:sp3d/>
+    <dgm:txPr/>
+    <dgm:style>
+      <a:lnRef idx="0">
+        <a:scrgbClr r="0" g="0" b="0"/>
+      </a:lnRef>
+      <a:fillRef idx="3">
+        <a:scrgbClr r="0" g="0" b="0"/>
+      </a:fillRef>
+      <a:effectRef idx="3">
+        <a:scrgbClr r="0" g="0" b="0"/>
+      </a:effectRef>
+      <a:fontRef idx="minor">
+        <a:schemeClr val="lt1"/>
+      </a:fontRef>
+    </dgm:style>
+  </dgm:styleLbl>
+  <dgm:styleLbl name="fgImgPlace1">
+    <dgm:scene3d>
+      <a:camera prst="orthographicFront"/>
+      <a:lightRig rig="threePt" dir="t"/>
+    </dgm:scene3d>
+    <dgm:sp3d/>
+    <dgm:txPr/>
+    <dgm:style>
+      <a:lnRef idx="0">
+        <a:scrgbClr r="0" g="0" b="0"/>
+      </a:lnRef>
+      <a:fillRef idx="1">
+        <a:scrgbClr r="0" g="0" b="0"/>
+      </a:fillRef>
+      <a:effectRef idx="3">
+        <a:scrgbClr r="0" g="0" b="0"/>
+      </a:effectRef>
+      <a:fontRef idx="minor"/>
+    </dgm:style>
+  </dgm:styleLbl>
+  <dgm:styleLbl name="alignImgPlace1">
+    <dgm:scene3d>
+      <a:camera prst="orthographicFront"/>
+      <a:lightRig rig="threePt" dir="t"/>
+    </dgm:scene3d>
+    <dgm:sp3d/>
+    <dgm:txPr/>
+    <dgm:style>
+      <a:lnRef idx="0">
+        <a:scrgbClr r="0" g="0" b="0"/>
+      </a:lnRef>
+      <a:fillRef idx="1">
+        <a:scrgbClr r="0" g="0" b="0"/>
+      </a:fillRef>
+      <a:effectRef idx="3">
+        <a:scrgbClr r="0" g="0" b="0"/>
+      </a:effectRef>
+      <a:fontRef idx="minor"/>
+    </dgm:style>
+  </dgm:styleLbl>
+  <dgm:styleLbl name="bgImgPlace1">
+    <dgm:scene3d>
+      <a:camera prst="orthographicFront"/>
+      <a:lightRig rig="threePt" dir="t"/>
+    </dgm:scene3d>
+    <dgm:sp3d/>
+    <dgm:txPr/>
+    <dgm:style>
+      <a:lnRef idx="0">
+        <a:scrgbClr r="0" g="0" b="0"/>
+      </a:lnRef>
+      <a:fillRef idx="1">
+        <a:scrgbClr r="0" g="0" b="0"/>
+      </a:fillRef>
+      <a:effectRef idx="3">
+        <a:scrgbClr r="0" g="0" b="0"/>
+      </a:effectRef>
+      <a:fontRef idx="minor"/>
+    </dgm:style>
+  </dgm:styleLbl>
+  <dgm:styleLbl name="sibTrans2D1">
+    <dgm:scene3d>
+      <a:camera prst="orthographicFront"/>
+      <a:lightRig rig="threePt" dir="t"/>
+    </dgm:scene3d>
+    <dgm:sp3d/>
+    <dgm:txPr/>
+    <dgm:style>
+      <a:lnRef idx="0">
+        <a:scrgbClr r="0" g="0" b="0"/>
+      </a:lnRef>
+      <a:fillRef idx="3">
+        <a:scrgbClr r="0" g="0" b="0"/>
+      </a:fillRef>
+      <a:effectRef idx="3">
+        <a:scrgbClr r="0" g="0" b="0"/>
+      </a:effectRef>
+      <a:fontRef idx="minor">
+        <a:schemeClr val="lt1"/>
+      </a:fontRef>
+    </dgm:style>
+  </dgm:styleLbl>
+  <dgm:styleLbl name="fgSibTrans2D1">
+    <dgm:scene3d>
+      <a:camera prst="orthographicFront"/>
+      <a:lightRig rig="threePt" dir="t"/>
+    </dgm:scene3d>
+    <dgm:sp3d/>
+    <dgm:txPr/>
+    <dgm:style>
+      <a:lnRef idx="0">
+        <a:scrgbClr r="0" g="0" b="0"/>
+      </a:lnRef>
+      <a:fillRef idx="3">
+        <a:scrgbClr r="0" g="0" b="0"/>
+      </a:fillRef>
+      <a:effectRef idx="3">
+        <a:scrgbClr r="0" g="0" b="0"/>
+      </a:effectRef>
+      <a:fontRef idx="minor">
+        <a:schemeClr val="lt1"/>
+      </a:fontRef>
+    </dgm:style>
+  </dgm:styleLbl>
+  <dgm:styleLbl name="bgSibTrans2D1">
+    <dgm:scene3d>
+      <a:camera prst="orthographicFront"/>
+      <a:lightRig rig="threePt" dir="t"/>
+    </dgm:scene3d>
+    <dgm:sp3d/>
+    <dgm:txPr/>
+    <dgm:style>
+      <a:lnRef idx="0">
+        <a:scrgbClr r="0" g="0" b="0"/>
+      </a:lnRef>
+      <a:fillRef idx="3">
+        <a:scrgbClr r="0" g="0" b="0"/>
+      </a:fillRef>
+      <a:effectRef idx="3">
+        <a:scrgbClr r="0" g="0" b="0"/>
+      </a:effectRef>
+      <a:fontRef idx="minor">
+        <a:schemeClr val="lt1"/>
+      </a:fontRef>
+    </dgm:style>
+  </dgm:styleLbl>
+  <dgm:styleLbl name="sibTrans1D1">
+    <dgm:scene3d>
+      <a:camera prst="orthographicFront"/>
+      <a:lightRig rig="threePt" dir="t"/>
+    </dgm:scene3d>
+    <dgm:sp3d/>
+    <dgm:txPr/>
+    <dgm:style>
+      <a:lnRef idx="1">
+        <a:scrgbClr r="0" g="0" b="0"/>
+      </a:lnRef>
+      <a:fillRef idx="0">
+        <a:scrgbClr r="0" g="0" b="0"/>
+      </a:fillRef>
+      <a:effectRef idx="0">
+        <a:scrgbClr r="0" g="0" b="0"/>
+      </a:effectRef>
+      <a:fontRef idx="minor"/>
+    </dgm:style>
+  </dgm:styleLbl>
+  <dgm:styleLbl name="callout">
+    <dgm:scene3d>
+      <a:camera prst="orthographicFront"/>
+      <a:lightRig rig="threePt" dir="t"/>
+    </dgm:scene3d>
+    <dgm:sp3d/>
+    <dgm:txPr/>
+    <dgm:style>
+      <a:lnRef idx="1">
+        <a:scrgbClr r="0" g="0" b="0"/>
+      </a:lnRef>
+      <a:fillRef idx="0">
+        <a:scrgbClr r="0" g="0" b="0"/>
+      </a:fillRef>
+      <a:effectRef idx="1">
+        <a:scrgbClr r="0" g="0" b="0"/>
+      </a:effectRef>
+      <a:fontRef idx="minor"/>
+    </dgm:style>
+  </dgm:styleLbl>
+  <dgm:styleLbl name="asst0">
+    <dgm:scene3d>
+      <a:camera prst="orthographicFront"/>
+      <a:lightRig rig="threePt" dir="t"/>
+    </dgm:scene3d>
+    <dgm:sp3d/>
+    <dgm:txPr/>
+    <dgm:style>
+      <a:lnRef idx="0">
+        <a:scrgbClr r="0" g="0" b="0"/>
+      </a:lnRef>
+      <a:fillRef idx="3">
+        <a:scrgbClr r="0" g="0" b="0"/>
+      </a:fillRef>
+      <a:effectRef idx="3">
+        <a:scrgbClr r="0" g="0" b="0"/>
+      </a:effectRef>
+      <a:fontRef idx="minor">
+        <a:schemeClr val="lt1"/>
+      </a:fontRef>
+    </dgm:style>
+  </dgm:styleLbl>
+  <dgm:styleLbl name="asst1">
+    <dgm:scene3d>
+      <a:camera prst="orthographicFront"/>
+      <a:lightRig rig="threePt" dir="t"/>
+    </dgm:scene3d>
+    <dgm:sp3d/>
+    <dgm:txPr/>
+    <dgm:style>
+      <a:lnRef idx="0">
+        <a:scrgbClr r="0" g="0" b="0"/>
+      </a:lnRef>
+      <a:fillRef idx="3">
+        <a:scrgbClr r="0" g="0" b="0"/>
+      </a:fillRef>
+      <a:effectRef idx="3">
+        <a:scrgbClr r="0" g="0" b="0"/>
+      </a:effectRef>
+      <a:fontRef idx="minor">
+        <a:schemeClr val="lt1"/>
+      </a:fontRef>
+    </dgm:style>
+  </dgm:styleLbl>
+  <dgm:styleLbl name="asst2">
+    <dgm:scene3d>
+      <a:camera prst="orthographicFront"/>
+      <a:lightRig rig="threePt" dir="t"/>
+    </dgm:scene3d>
+    <dgm:sp3d/>
+    <dgm:txPr/>
+    <dgm:style>
+      <a:lnRef idx="0">
+        <a:scrgbClr r="0" g="0" b="0"/>
+      </a:lnRef>
+      <a:fillRef idx="3">
+        <a:scrgbClr r="0" g="0" b="0"/>
+      </a:fillRef>
+      <a:effectRef idx="3">
+        <a:scrgbClr r="0" g="0" b="0"/>
+      </a:effectRef>
+      <a:fontRef idx="minor">
+        <a:schemeClr val="lt1"/>
+      </a:fontRef>
+    </dgm:style>
+  </dgm:styleLbl>
+  <dgm:styleLbl name="asst3">
+    <dgm:scene3d>
+      <a:camera prst="orthographicFront"/>
+      <a:lightRig rig="threePt" dir="t"/>
+    </dgm:scene3d>
+    <dgm:sp3d/>
+    <dgm:txPr/>
+    <dgm:style>
+      <a:lnRef idx="0">
+        <a:scrgbClr r="0" g="0" b="0"/>
+      </a:lnRef>
+      <a:fillRef idx="3">
+        <a:scrgbClr r="0" g="0" b="0"/>
+      </a:fillRef>
+      <a:effectRef idx="3">
+        <a:scrgbClr r="0" g="0" b="0"/>
+      </a:effectRef>
+      <a:fontRef idx="minor">
+        <a:schemeClr val="lt1"/>
+      </a:fontRef>
+    </dgm:style>
+  </dgm:styleLbl>
+  <dgm:styleLbl name="asst4">
+    <dgm:scene3d>
+      <a:camera prst="orthographicFront"/>
+      <a:lightRig rig="threePt" dir="t"/>
+    </dgm:scene3d>
+    <dgm:sp3d/>
+    <dgm:txPr/>
+    <dgm:style>
+      <a:lnRef idx="0">
+        <a:scrgbClr r="0" g="0" b="0"/>
+      </a:lnRef>
+      <a:fillRef idx="3">
+        <a:scrgbClr r="0" g="0" b="0"/>
+      </a:fillRef>
+      <a:effectRef idx="3">
+        <a:scrgbClr r="0" g="0" b="0"/>
+      </a:effectRef>
+      <a:fontRef idx="minor">
+        <a:schemeClr val="lt1"/>
+      </a:fontRef>
+    </dgm:style>
+  </dgm:styleLbl>
+  <dgm:styleLbl name="parChTrans2D1">
+    <dgm:scene3d>
+      <a:camera prst="orthographicFront"/>
+      <a:lightRig rig="threePt" dir="t"/>
+    </dgm:scene3d>
+    <dgm:sp3d/>
+    <dgm:txPr/>
+    <dgm:style>
+      <a:lnRef idx="0">
+        <a:scrgbClr r="0" g="0" b="0"/>
+      </a:lnRef>
+      <a:fillRef idx="3">
+        <a:scrgbClr r="0" g="0" b="0"/>
+      </a:fillRef>
+      <a:effectRef idx="3">
+        <a:scrgbClr r="0" g="0" b="0"/>
+      </a:effectRef>
+      <a:fontRef idx="minor">
+        <a:schemeClr val="lt1"/>
+      </a:fontRef>
+    </dgm:style>
+  </dgm:styleLbl>
+  <dgm:styleLbl name="parChTrans2D2">
+    <dgm:scene3d>
+      <a:camera prst="orthographicFront"/>
+      <a:lightRig rig="threePt" dir="t"/>
+    </dgm:scene3d>
+    <dgm:sp3d/>
+    <dgm:txPr/>
+    <dgm:style>
+      <a:lnRef idx="0">
+        <a:scrgbClr r="0" g="0" b="0"/>
+      </a:lnRef>
+      <a:fillRef idx="3">
+        <a:scrgbClr r="0" g="0" b="0"/>
+      </a:fillRef>
+      <a:effectRef idx="3">
+        <a:scrgbClr r="0" g="0" b="0"/>
+      </a:effectRef>
+      <a:fontRef idx="minor">
+        <a:schemeClr val="lt1"/>
+      </a:fontRef>
+    </dgm:style>
+  </dgm:styleLbl>
+  <dgm:styleLbl name="parChTrans2D3">
+    <dgm:scene3d>
+      <a:camera prst="orthographicFront"/>
+      <a:lightRig rig="threePt" dir="t"/>
+    </dgm:scene3d>
+    <dgm:sp3d/>
+    <dgm:txPr/>
+    <dgm:style>
+      <a:lnRef idx="0">
+        <a:scrgbClr r="0" g="0" b="0"/>
+      </a:lnRef>
+      <a:fillRef idx="3">
+        <a:scrgbClr r="0" g="0" b="0"/>
+      </a:fillRef>
+      <a:effectRef idx="3">
+        <a:scrgbClr r="0" g="0" b="0"/>
+      </a:effectRef>
+      <a:fontRef idx="minor">
+        <a:schemeClr val="lt1"/>
+      </a:fontRef>
+    </dgm:style>
+  </dgm:styleLbl>
+  <dgm:styleLbl name="parChTrans2D4">
+    <dgm:scene3d>
+      <a:camera prst="orthographicFront"/>
+      <a:lightRig rig="threePt" dir="t"/>
+    </dgm:scene3d>
+    <dgm:sp3d/>
+    <dgm:txPr/>
+    <dgm:style>
+      <a:lnRef idx="0">
+        <a:scrgbClr r="0" g="0" b="0"/>
+      </a:lnRef>
+      <a:fillRef idx="3">
+        <a:scrgbClr r="0" g="0" b="0"/>
+      </a:fillRef>
+      <a:effectRef idx="3">
+        <a:scrgbClr r="0" g="0" b="0"/>
+      </a:effectRef>
+      <a:fontRef idx="minor">
+        <a:schemeClr val="lt1"/>
+      </a:fontRef>
+    </dgm:style>
+  </dgm:styleLbl>
+  <dgm:styleLbl name="parChTrans1D1">
+    <dgm:scene3d>
+      <a:camera prst="orthographicFront"/>
+      <a:lightRig rig="threePt" dir="t"/>
+    </dgm:scene3d>
+    <dgm:sp3d/>
+    <dgm:txPr/>
+    <dgm:style>
+      <a:lnRef idx="2">
+        <a:scrgbClr r="0" g="0" b="0"/>
+      </a:lnRef>
+      <a:fillRef idx="0">
+        <a:scrgbClr r="0" g="0" b="0"/>
+      </a:fillRef>
+      <a:effectRef idx="0">
+        <a:scrgbClr r="0" g="0" b="0"/>
+      </a:effectRef>
+      <a:fontRef idx="minor"/>
+    </dgm:style>
+  </dgm:styleLbl>
+  <dgm:styleLbl name="parChTrans1D2">
+    <dgm:scene3d>
+      <a:camera prst="orthographicFront"/>
+      <a:lightRig rig="threePt" dir="t"/>
+    </dgm:scene3d>
+    <dgm:sp3d/>
+    <dgm:txPr/>
+    <dgm:style>
+      <a:lnRef idx="2">
+        <a:scrgbClr r="0" g="0" b="0"/>
+      </a:lnRef>
+      <a:fillRef idx="0">
+        <a:scrgbClr r="0" g="0" b="0"/>
+      </a:fillRef>
+      <a:effectRef idx="0">
+        <a:scrgbClr r="0" g="0" b="0"/>
+      </a:effectRef>
+      <a:fontRef idx="minor"/>
+    </dgm:style>
+  </dgm:styleLbl>
+  <dgm:styleLbl name="parChTrans1D3">
+    <dgm:scene3d>
+      <a:camera prst="orthographicFront"/>
+      <a:lightRig rig="threePt" dir="t"/>
+    </dgm:scene3d>
+    <dgm:sp3d/>
+    <dgm:txPr/>
+    <dgm:style>
+      <a:lnRef idx="2">
+        <a:scrgbClr r="0" g="0" b="0"/>
+      </a:lnRef>
+      <a:fillRef idx="0">
+        <a:scrgbClr r="0" g="0" b="0"/>
+      </a:fillRef>
+      <a:effectRef idx="0">
+        <a:scrgbClr r="0" g="0" b="0"/>
+      </a:effectRef>
+      <a:fontRef idx="minor"/>
+    </dgm:style>
+  </dgm:styleLbl>
+  <dgm:styleLbl name="parChTrans1D4">
+    <dgm:scene3d>
+      <a:camera prst="orthographicFront"/>
+      <a:lightRig rig="threePt" dir="t"/>
+    </dgm:scene3d>
+    <dgm:sp3d/>
+    <dgm:txPr/>
+    <dgm:style>
+      <a:lnRef idx="2">
+        <a:scrgbClr r="0" g="0" b="0"/>
+      </a:lnRef>
+      <a:fillRef idx="0">
+        <a:scrgbClr r="0" g="0" b="0"/>
+      </a:fillRef>
+      <a:effectRef idx="0">
+        <a:scrgbClr r="0" g="0" b="0"/>
+      </a:effectRef>
+      <a:fontRef idx="minor"/>
+    </dgm:style>
+  </dgm:styleLbl>
+  <dgm:styleLbl name="fgAcc1">
+    <dgm:scene3d>
+      <a:camera prst="orthographicFront"/>
+      <a:lightRig rig="threePt" dir="t"/>
+    </dgm:scene3d>
+    <dgm:sp3d/>
+    <dgm:txPr/>
+    <dgm:style>
+      <a:lnRef idx="1">
+        <a:scrgbClr r="0" g="0" b="0"/>
+      </a:lnRef>
+      <a:fillRef idx="1">
+        <a:scrgbClr r="0" g="0" b="0"/>
+      </a:fillRef>
+      <a:effectRef idx="2">
+        <a:scrgbClr r="0" g="0" b="0"/>
+      </a:effectRef>
+      <a:fontRef idx="minor"/>
+    </dgm:style>
+  </dgm:styleLbl>
+  <dgm:styleLbl name="conFgAcc1">
+    <dgm:scene3d>
+      <a:camera prst="orthographicFront"/>
+      <a:lightRig rig="threePt" dir="t"/>
+    </dgm:scene3d>
+    <dgm:sp3d/>
+    <dgm:txPr/>
+    <dgm:style>
+      <a:lnRef idx="1">
+        <a:scrgbClr r="0" g="0" b="0"/>
+      </a:lnRef>
+      <a:fillRef idx="1">
+        <a:scrgbClr r="0" g="0" b="0"/>
+      </a:fillRef>
+      <a:effectRef idx="2">
+        <a:scrgbClr r="0" g="0" b="0"/>
+      </a:effectRef>
+      <a:fontRef idx="minor"/>
+    </dgm:style>
+  </dgm:styleLbl>
+  <dgm:styleLbl name="alignAcc1">
+    <dgm:scene3d>
+      <a:camera prst="orthographicFront"/>
+      <a:lightRig rig="threePt" dir="t"/>
+    </dgm:scene3d>
+    <dgm:sp3d/>
+    <dgm:txPr/>
+    <dgm:style>
+      <a:lnRef idx="1">
+        <a:scrgbClr r="0" g="0" b="0"/>
+      </a:lnRef>
+      <a:fillRef idx="1">
+        <a:scrgbClr r="0" g="0" b="0"/>
+      </a:fillRef>
+      <a:effectRef idx="2">
+        <a:scrgbClr r="0" g="0" b="0"/>
+      </a:effectRef>
+      <a:fontRef idx="minor"/>
+    </dgm:style>
+  </dgm:styleLbl>
+  <dgm:styleLbl name="trAlignAcc1">
+    <dgm:scene3d>
+      <a:camera prst="orthographicFront"/>
+      <a:lightRig rig="threePt" dir="t"/>
+    </dgm:scene3d>
+    <dgm:sp3d/>
+    <dgm:txPr/>
+    <dgm:style>
+      <a:lnRef idx="1">
+        <a:scrgbClr r="0" g="0" b="0"/>
+      </a:lnRef>
+      <a:fillRef idx="1">
+        <a:scrgbClr r="0" g="0" b="0"/>
+      </a:fillRef>
+      <a:effectRef idx="0">
+        <a:scrgbClr r="0" g="0" b="0"/>
+      </a:effectRef>
+      <a:fontRef idx="minor"/>
+    </dgm:style>
+  </dgm:styleLbl>
+  <dgm:styleLbl name="bgAcc1">
+    <dgm:scene3d>
+      <a:camera prst="orthographicFront"/>
+      <a:lightRig rig="threePt" dir="t"/>
+    </dgm:scene3d>
+    <dgm:sp3d/>
+    <dgm:txPr/>
+    <dgm:style>
+      <a:lnRef idx="1">
+        <a:scrgbClr r="0" g="0" b="0"/>
+      </a:lnRef>
+      <a:fillRef idx="1">
+        <a:scrgbClr r="0" g="0" b="0"/>
+      </a:fillRef>
+      <a:effectRef idx="2">
+        <a:scrgbClr r="0" g="0" b="0"/>
+      </a:effectRef>
+      <a:fontRef idx="minor"/>
+    </dgm:style>
+  </dgm:styleLbl>
+  <dgm:styleLbl name="solidFgAcc1">
+    <dgm:scene3d>
+      <a:camera prst="orthographicFront"/>
+      <a:lightRig rig="threePt" dir="t"/>
+    </dgm:scene3d>
+    <dgm:sp3d/>
+    <dgm:txPr/>
+    <dgm:style>
+      <a:lnRef idx="1">
+        <a:scrgbClr r="0" g="0" b="0"/>
+      </a:lnRef>
+      <a:fillRef idx="1">
+        <a:scrgbClr r="0" g="0" b="0"/>
+      </a:fillRef>
+      <a:effectRef idx="2">
+        <a:scrgbClr r="0" g="0" b="0"/>
+      </a:effectRef>
+      <a:fontRef idx="minor"/>
+    </dgm:style>
+  </dgm:styleLbl>
+  <dgm:styleLbl name="solidAlignAcc1">
+    <dgm:scene3d>
+      <a:camera prst="orthographicFront"/>
+      <a:lightRig rig="threePt" dir="t"/>
+    </dgm:scene3d>
+    <dgm:sp3d/>
+    <dgm:txPr/>
+    <dgm:style>
+      <a:lnRef idx="1">
+        <a:scrgbClr r="0" g="0" b="0"/>
+      </a:lnRef>
+      <a:fillRef idx="1">
+        <a:scrgbClr r="0" g="0" b="0"/>
+      </a:fillRef>
+      <a:effectRef idx="3">
+        <a:scrgbClr r="0" g="0" b="0"/>
+      </a:effectRef>
+      <a:fontRef idx="minor"/>
+    </dgm:style>
+  </dgm:styleLbl>
+  <dgm:styleLbl name="solidBgAcc1">
+    <dgm:scene3d>
+      <a:camera prst="orthographicFront"/>
+      <a:lightRig rig="threePt" dir="t"/>
+    </dgm:scene3d>
+    <dgm:sp3d/>
+    <dgm:txPr/>
+    <dgm:style>
+      <a:lnRef idx="1">
+        <a:scrgbClr r="0" g="0" b="0"/>
+      </a:lnRef>
+      <a:fillRef idx="1">
+        <a:scrgbClr r="0" g="0" b="0"/>
+      </a:fillRef>
+      <a:effectRef idx="3">
+        <a:scrgbClr r="0" g="0" b="0"/>
+      </a:effectRef>
+      <a:fontRef idx="minor"/>
+    </dgm:style>
+  </dgm:styleLbl>
+  <dgm:styleLbl name="fgAccFollowNode1">
+    <dgm:scene3d>
+      <a:camera prst="orthographicFront"/>
+      <a:lightRig rig="threePt" dir="t"/>
+    </dgm:scene3d>
+    <dgm:sp3d/>
+    <dgm:txPr/>
+    <dgm:style>
+      <a:lnRef idx="1">
+        <a:scrgbClr r="0" g="0" b="0"/>
+      </a:lnRef>
+      <a:fillRef idx="1">
+        <a:scrgbClr r="0" g="0" b="0"/>
+      </a:fillRef>
+      <a:effectRef idx="2">
+        <a:scrgbClr r="0" g="0" b="0"/>
+      </a:effectRef>
+      <a:fontRef idx="minor"/>
+    </dgm:style>
+  </dgm:styleLbl>
+  <dgm:styleLbl name="alignAccFollowNode1">
+    <dgm:scene3d>
+      <a:camera prst="orthographicFront"/>
+      <a:lightRig rig="threePt" dir="t"/>
+    </dgm:scene3d>
+    <dgm:sp3d/>
+    <dgm:txPr/>
+    <dgm:style>
+      <a:lnRef idx="1">
+        <a:scrgbClr r="0" g="0" b="0"/>
+      </a:lnRef>
+      <a:fillRef idx="1">
+        <a:scrgbClr r="0" g="0" b="0"/>
+      </a:fillRef>
+      <a:effectRef idx="2">
+        <a:scrgbClr r="0" g="0" b="0"/>
+      </a:effectRef>
+      <a:fontRef idx="minor"/>
+    </dgm:style>
+  </dgm:styleLbl>
+  <dgm:styleLbl name="bgAccFollowNode1">
+    <dgm:scene3d>
+      <a:camera prst="orthographicFront"/>
+      <a:lightRig rig="threePt" dir="t"/>
+    </dgm:scene3d>
+    <dgm:sp3d/>
+    <dgm:txPr/>
+    <dgm:style>
+      <a:lnRef idx="1">
+        <a:scrgbClr r="0" g="0" b="0"/>
+      </a:lnRef>
+      <a:fillRef idx="1">
+        <a:scrgbClr r="0" g="0" b="0"/>
+      </a:fillRef>
+      <a:effectRef idx="2">
+        <a:scrgbClr r="0" g="0" b="0"/>
+      </a:effectRef>
+      <a:fontRef idx="minor"/>
+    </dgm:style>
+  </dgm:styleLbl>
+  <dgm:styleLbl name="fgAcc0">
+    <dgm:scene3d>
+      <a:camera prst="orthographicFront"/>
+      <a:lightRig rig="threePt" dir="t"/>
+    </dgm:scene3d>
+    <dgm:sp3d/>
+    <dgm:txPr/>
+    <dgm:style>
+      <a:lnRef idx="1">
+        <a:scrgbClr r="0" g="0" b="0"/>
+      </a:lnRef>
+      <a:fillRef idx="1">
+        <a:scrgbClr r="0" g="0" b="0"/>
+      </a:fillRef>
+      <a:effectRef idx="2">
+        <a:scrgbClr r="0" g="0" b="0"/>
+      </a:effectRef>
+      <a:fontRef idx="minor"/>
+    </dgm:style>
+  </dgm:styleLbl>
+  <dgm:styleLbl name="fgAcc2">
+    <dgm:scene3d>
+      <a:camera prst="orthographicFront"/>
+      <a:lightRig rig="threePt" dir="t"/>
+    </dgm:scene3d>
+    <dgm:sp3d/>
+    <dgm:txPr/>
+    <dgm:style>
+      <a:lnRef idx="1">
+        <a:scrgbClr r="0" g="0" b="0"/>
+      </a:lnRef>
+      <a:fillRef idx="1">
+        <a:scrgbClr r="0" g="0" b="0"/>
+      </a:fillRef>
+      <a:effectRef idx="2">
+        <a:scrgbClr r="0" g="0" b="0"/>
+      </a:effectRef>
+      <a:fontRef idx="minor"/>
+    </dgm:style>
+  </dgm:styleLbl>
+  <dgm:styleLbl name="fgAcc3">
+    <dgm:scene3d>
+      <a:camera prst="orthographicFront"/>
+      <a:lightRig rig="threePt" dir="t"/>
+    </dgm:scene3d>
+    <dgm:sp3d/>
+    <dgm:txPr/>
+    <dgm:style>
+      <a:lnRef idx="1">
+        <a:scrgbClr r="0" g="0" b="0"/>
+      </a:lnRef>
+      <a:fillRef idx="1">
+        <a:scrgbClr r="0" g="0" b="0"/>
+      </a:fillRef>
+      <a:effectRef idx="2">
+        <a:scrgbClr r="0" g="0" b="0"/>
+      </a:effectRef>
+      <a:fontRef idx="minor"/>
+    </dgm:style>
+  </dgm:styleLbl>
+  <dgm:styleLbl name="fgAcc4">
+    <dgm:scene3d>
+      <a:camera prst="orthographicFront"/>
+      <a:lightRig rig="threePt" dir="t"/>
+    </dgm:scene3d>
+    <dgm:sp3d/>
+    <dgm:txPr/>
+    <dgm:style>
+      <a:lnRef idx="1">
+        <a:scrgbClr r="0" g="0" b="0"/>
+      </a:lnRef>
+      <a:fillRef idx="1">
+        <a:scrgbClr r="0" g="0" b="0"/>
+      </a:fillRef>
+      <a:effectRef idx="2">
+        <a:scrgbClr r="0" g="0" b="0"/>
+      </a:effectRef>
+      <a:fontRef idx="minor"/>
+    </dgm:style>
+  </dgm:styleLbl>
+  <dgm:styleLbl name="bgShp">
+    <dgm:scene3d>
+      <a:camera prst="orthographicFront"/>
+      <a:lightRig rig="threePt" dir="t"/>
+    </dgm:scene3d>
+    <dgm:sp3d/>
+    <dgm:txPr/>
+    <dgm:style>
+      <a:lnRef idx="0">
+        <a:scrgbClr r="0" g="0" b="0"/>
+      </a:lnRef>
+      <a:fillRef idx="1">
+        <a:scrgbClr r="0" g="0" b="0"/>
+      </a:fillRef>
+      <a:effectRef idx="2">
+        <a:scrgbClr r="0" g="0" b="0"/>
+      </a:effectRef>
+      <a:fontRef idx="minor"/>
+    </dgm:style>
+  </dgm:styleLbl>
+  <dgm:styleLbl name="dkBgShp">
+    <dgm:scene3d>
+      <a:camera prst="orthographicFront"/>
+      <a:lightRig rig="threePt" dir="t"/>
+    </dgm:scene3d>
+    <dgm:sp3d/>
+    <dgm:txPr/>
+    <dgm:style>
+      <a:lnRef idx="0">
+        <a:scrgbClr r="0" g="0" b="0"/>
+      </a:lnRef>
+      <a:fillRef idx="1">
+        <a:scrgbClr r="0" g="0" b="0"/>
+      </a:fillRef>
+      <a:effectRef idx="3">
+        <a:scrgbClr r="0" g="0" b="0"/>
+      </a:effectRef>
+      <a:fontRef idx="minor"/>
+    </dgm:style>
+  </dgm:styleLbl>
+  <dgm:styleLbl name="trBgShp">
+    <dgm:scene3d>
+      <a:camera prst="orthographicFront"/>
+      <a:lightRig rig="threePt" dir="t"/>
+    </dgm:scene3d>
+    <dgm:sp3d/>
+    <dgm:txPr/>
+    <dgm:style>
+      <a:lnRef idx="0">
+        <a:scrgbClr r="0" g="0" b="0"/>
+      </a:lnRef>
+      <a:fillRef idx="1">
+        <a:scrgbClr r="0" g="0" b="0"/>
+      </a:fillRef>
+      <a:effectRef idx="0">
+        <a:scrgbClr r="0" g="0" b="0"/>
+      </a:effectRef>
+      <a:fontRef idx="minor"/>
+    </dgm:style>
+  </dgm:styleLbl>
+  <dgm:styleLbl name="fgShp">
+    <dgm:scene3d>
+      <a:camera prst="orthographicFront"/>
+      <a:lightRig rig="threePt" dir="t"/>
+    </dgm:scene3d>
+    <dgm:sp3d/>
+    <dgm:txPr/>
+    <dgm:style>
+      <a:lnRef idx="0">
+        <a:scrgbClr r="0" g="0" b="0"/>
+      </a:lnRef>
+      <a:fillRef idx="3">
+        <a:scrgbClr r="0" g="0" b="0"/>
+      </a:fillRef>
+      <a:effectRef idx="3">
+        <a:scrgbClr r="0" g="0" b="0"/>
+      </a:effectRef>
+      <a:fontRef idx="minor"/>
+    </dgm:style>
+  </dgm:styleLbl>
+  <dgm:styleLbl name="revTx">
+    <dgm:scene3d>
+      <a:camera prst="orthographicFront"/>
+      <a:lightRig rig="threePt" dir="t"/>
+    </dgm:scene3d>
+    <dgm:sp3d/>
+    <dgm:txPr/>
+    <dgm:style>
+      <a:lnRef idx="0">
+        <a:scrgbClr r="0" g="0" b="0"/>
+      </a:lnRef>
+      <a:fillRef idx="0">
+        <a:scrgbClr r="0" g="0" b="0"/>
+      </a:fillRef>
+      <a:effectRef idx="0">
+        <a:scrgbClr r="0" g="0" b="0"/>
+      </a:effectRef>
+      <a:fontRef idx="minor"/>
+    </dgm:style>
+  </dgm:styleLbl>
+</dgm:styleDef>
+</file>
+
 <file path=ppt/slideLayouts/slideLayout1.xml><?xml version="1.0" encoding="utf-8"?>
 <p:sldLayout xmlns:a="http://schemas.openxmlformats.org/drawingml/2006/main" xmlns:r="http://schemas.openxmlformats.org/officeDocument/2006/relationships" xmlns:p="http://schemas.openxmlformats.org/presentationml/2006/main" type="title" preserve="1">
   <p:cSld name="标题幻灯片">
@@ -310,7 +3738,7 @@
           <a:p>
             <a:fld id="{530820CF-B880-4189-942D-D702A7CBA730}" type="datetimeFigureOut">
               <a:rPr lang="zh-CN" altLang="en-US" smtClean="0"/>
-              <a:t>2022/1/28</a:t>
+              <a:t>2022/7/31</a:t>
             </a:fld>
             <a:endParaRPr lang="zh-CN" altLang="en-US"/>
           </a:p>
@@ -473,7 +3901,7 @@
           <a:p>
             <a:fld id="{530820CF-B880-4189-942D-D702A7CBA730}" type="datetimeFigureOut">
               <a:rPr lang="zh-CN" altLang="en-US" smtClean="0"/>
-              <a:t>2022/1/28</a:t>
+              <a:t>2022/7/31</a:t>
             </a:fld>
             <a:endParaRPr lang="zh-CN" altLang="en-US"/>
           </a:p>
@@ -646,7 +4074,7 @@
           <a:p>
             <a:fld id="{530820CF-B880-4189-942D-D702A7CBA730}" type="datetimeFigureOut">
               <a:rPr lang="zh-CN" altLang="en-US" smtClean="0"/>
-              <a:t>2022/1/28</a:t>
+              <a:t>2022/7/31</a:t>
             </a:fld>
             <a:endParaRPr lang="zh-CN" altLang="en-US"/>
           </a:p>
@@ -809,7 +4237,7 @@
           <a:p>
             <a:fld id="{530820CF-B880-4189-942D-D702A7CBA730}" type="datetimeFigureOut">
               <a:rPr lang="zh-CN" altLang="en-US" smtClean="0"/>
-              <a:t>2022/1/28</a:t>
+              <a:t>2022/7/31</a:t>
             </a:fld>
             <a:endParaRPr lang="zh-CN" altLang="en-US"/>
           </a:p>
@@ -1049,7 +4477,7 @@
           <a:p>
             <a:fld id="{530820CF-B880-4189-942D-D702A7CBA730}" type="datetimeFigureOut">
               <a:rPr lang="zh-CN" altLang="en-US" smtClean="0"/>
-              <a:t>2022/1/28</a:t>
+              <a:t>2022/7/31</a:t>
             </a:fld>
             <a:endParaRPr lang="zh-CN" altLang="en-US"/>
           </a:p>
@@ -1329,7 +4757,7 @@
           <a:p>
             <a:fld id="{530820CF-B880-4189-942D-D702A7CBA730}" type="datetimeFigureOut">
               <a:rPr lang="zh-CN" altLang="en-US" smtClean="0"/>
-              <a:t>2022/1/28</a:t>
+              <a:t>2022/7/31</a:t>
             </a:fld>
             <a:endParaRPr lang="zh-CN" altLang="en-US"/>
           </a:p>
@@ -1743,7 +5171,7 @@
           <a:p>
             <a:fld id="{530820CF-B880-4189-942D-D702A7CBA730}" type="datetimeFigureOut">
               <a:rPr lang="zh-CN" altLang="en-US" smtClean="0"/>
-              <a:t>2022/1/28</a:t>
+              <a:t>2022/7/31</a:t>
             </a:fld>
             <a:endParaRPr lang="zh-CN" altLang="en-US"/>
           </a:p>
@@ -1855,7 +5283,7 @@
           <a:p>
             <a:fld id="{530820CF-B880-4189-942D-D702A7CBA730}" type="datetimeFigureOut">
               <a:rPr lang="zh-CN" altLang="en-US" smtClean="0"/>
-              <a:t>2022/1/28</a:t>
+              <a:t>2022/7/31</a:t>
             </a:fld>
             <a:endParaRPr lang="zh-CN" altLang="en-US"/>
           </a:p>
@@ -1945,7 +5373,7 @@
           <a:p>
             <a:fld id="{530820CF-B880-4189-942D-D702A7CBA730}" type="datetimeFigureOut">
               <a:rPr lang="zh-CN" altLang="en-US" smtClean="0"/>
-              <a:t>2022/1/28</a:t>
+              <a:t>2022/7/31</a:t>
             </a:fld>
             <a:endParaRPr lang="zh-CN" altLang="en-US"/>
           </a:p>
@@ -2215,7 +5643,7 @@
           <a:p>
             <a:fld id="{530820CF-B880-4189-942D-D702A7CBA730}" type="datetimeFigureOut">
               <a:rPr lang="zh-CN" altLang="en-US" smtClean="0"/>
-              <a:t>2022/1/28</a:t>
+              <a:t>2022/7/31</a:t>
             </a:fld>
             <a:endParaRPr lang="zh-CN" altLang="en-US"/>
           </a:p>
@@ -2462,7 +5890,7 @@
           <a:p>
             <a:fld id="{530820CF-B880-4189-942D-D702A7CBA730}" type="datetimeFigureOut">
               <a:rPr lang="zh-CN" altLang="en-US" smtClean="0"/>
-              <a:t>2022/1/28</a:t>
+              <a:t>2022/7/31</a:t>
             </a:fld>
             <a:endParaRPr lang="zh-CN" altLang="en-US"/>
           </a:p>
@@ -2668,7 +6096,7 @@
           <a:p>
             <a:fld id="{530820CF-B880-4189-942D-D702A7CBA730}" type="datetimeFigureOut">
               <a:rPr lang="zh-CN" altLang="en-US" smtClean="0"/>
-              <a:t>2022/1/28</a:t>
+              <a:t>2022/7/31</a:t>
             </a:fld>
             <a:endParaRPr lang="zh-CN" altLang="en-US"/>
           </a:p>
@@ -4779,6 +8207,350 @@
 </p:sld>
 </file>
 
+<file path=ppt/slides/slide6.xml><?xml version="1.0" encoding="utf-8"?>
+<p:sld xmlns:a="http://schemas.openxmlformats.org/drawingml/2006/main" xmlns:r="http://schemas.openxmlformats.org/officeDocument/2006/relationships" xmlns:p="http://schemas.openxmlformats.org/presentationml/2006/main">
+  <p:cSld>
+    <p:spTree>
+      <p:nvGrpSpPr>
+        <p:cNvPr id="1" name=""/>
+        <p:cNvGrpSpPr/>
+        <p:nvPr/>
+      </p:nvGrpSpPr>
+      <p:grpSpPr>
+        <a:xfrm>
+          <a:off x="0" y="0"/>
+          <a:ext cx="0" cy="0"/>
+          <a:chOff x="0" y="0"/>
+          <a:chExt cx="0" cy="0"/>
+        </a:xfrm>
+      </p:grpSpPr>
+      <p:grpSp>
+        <p:nvGrpSpPr>
+          <p:cNvPr id="13" name="Group 12"/>
+          <p:cNvGrpSpPr/>
+          <p:nvPr/>
+        </p:nvGrpSpPr>
+        <p:grpSpPr>
+          <a:xfrm>
+            <a:off x="611560" y="1052736"/>
+            <a:ext cx="7797323" cy="4682570"/>
+            <a:chOff x="519093" y="1854028"/>
+            <a:chExt cx="7797323" cy="4682570"/>
+          </a:xfrm>
+        </p:grpSpPr>
+        <p:sp>
+          <p:nvSpPr>
+            <p:cNvPr id="4" name="Rectangle 3"/>
+            <p:cNvSpPr/>
+            <p:nvPr/>
+          </p:nvSpPr>
+          <p:spPr>
+            <a:xfrm>
+              <a:off x="574273" y="5229200"/>
+              <a:ext cx="4824536" cy="1307398"/>
+            </a:xfrm>
+            <a:prstGeom prst="rect">
+              <a:avLst/>
+            </a:prstGeom>
+            <a:solidFill>
+              <a:schemeClr val="accent3"/>
+            </a:solidFill>
+            <a:ln>
+              <a:noFill/>
+            </a:ln>
+          </p:spPr>
+          <p:style>
+            <a:lnRef idx="0">
+              <a:scrgbClr r="0" g="0" b="0"/>
+            </a:lnRef>
+            <a:fillRef idx="0">
+              <a:scrgbClr r="0" g="0" b="0"/>
+            </a:fillRef>
+            <a:effectRef idx="0">
+              <a:scrgbClr r="0" g="0" b="0"/>
+            </a:effectRef>
+            <a:fontRef idx="minor">
+              <a:schemeClr val="lt1"/>
+            </a:fontRef>
+          </p:style>
+          <p:txBody>
+            <a:bodyPr rtlCol="0" anchor="ctr"/>
+            <a:lstStyle/>
+            <a:p>
+              <a:pPr algn="ctr"/>
+              <a:r>
+                <a:rPr lang="en-US" dirty="0" smtClean="0"/>
+                <a:t>Runtime Environment:</a:t>
+              </a:r>
+            </a:p>
+            <a:p>
+              <a:pPr marL="342900" indent="-342900" algn="ctr">
+                <a:buAutoNum type="arabicPeriod"/>
+              </a:pPr>
+              <a:r>
+                <a:rPr lang="en-US" dirty="0" smtClean="0"/>
+                <a:t>library/package system</a:t>
+              </a:r>
+            </a:p>
+            <a:p>
+              <a:pPr marL="342900" indent="-342900" algn="ctr">
+                <a:buAutoNum type="arabicPeriod"/>
+              </a:pPr>
+              <a:r>
+                <a:rPr lang="en-US" dirty="0" smtClean="0"/>
+                <a:t>configuration system</a:t>
+              </a:r>
+            </a:p>
+            <a:p>
+              <a:pPr marL="342900" indent="-342900" algn="ctr">
+                <a:buAutoNum type="arabicPeriod"/>
+              </a:pPr>
+              <a:r>
+                <a:rPr lang="en-US" dirty="0" smtClean="0"/>
+                <a:t>R#/.NET </a:t>
+              </a:r>
+              <a:r>
+                <a:rPr lang="en-US" dirty="0" err="1" smtClean="0"/>
+                <a:t>clr</a:t>
+              </a:r>
+              <a:r>
+                <a:rPr lang="en-US" dirty="0" smtClean="0"/>
+                <a:t> </a:t>
+              </a:r>
+              <a:r>
+                <a:rPr lang="en-US" altLang="zh-CN" dirty="0" smtClean="0"/>
+                <a:t>Interop</a:t>
+              </a:r>
+              <a:r>
+                <a:rPr lang="en-US" dirty="0" smtClean="0"/>
+                <a:t> Interface</a:t>
+              </a:r>
+              <a:endParaRPr lang="en-US" dirty="0"/>
+            </a:p>
+          </p:txBody>
+        </p:sp>
+        <p:sp>
+          <p:nvSpPr>
+            <p:cNvPr id="6" name="Flowchart: Multidocument 5"/>
+            <p:cNvSpPr/>
+            <p:nvPr/>
+          </p:nvSpPr>
+          <p:spPr>
+            <a:xfrm>
+              <a:off x="5652120" y="4941168"/>
+              <a:ext cx="2664296" cy="1595430"/>
+            </a:xfrm>
+            <a:prstGeom prst="flowChartMultidocument">
+              <a:avLst/>
+            </a:prstGeom>
+            <a:ln/>
+          </p:spPr>
+          <p:style>
+            <a:lnRef idx="2">
+              <a:schemeClr val="accent5">
+                <a:shade val="50000"/>
+              </a:schemeClr>
+            </a:lnRef>
+            <a:fillRef idx="1">
+              <a:schemeClr val="accent5"/>
+            </a:fillRef>
+            <a:effectRef idx="0">
+              <a:schemeClr val="accent5"/>
+            </a:effectRef>
+            <a:fontRef idx="minor">
+              <a:schemeClr val="lt1"/>
+            </a:fontRef>
+          </p:style>
+          <p:txBody>
+            <a:bodyPr rtlCol="0" anchor="ctr"/>
+            <a:lstStyle/>
+            <a:p>
+              <a:pPr algn="ctr"/>
+              <a:r>
+                <a:rPr lang="en-US" dirty="0"/>
+                <a:t>3</a:t>
+              </a:r>
+              <a:r>
+                <a:rPr lang="en-US" altLang="zh-CN" baseline="30000" dirty="0"/>
+                <a:t>rd</a:t>
+              </a:r>
+              <a:r>
+                <a:rPr lang="en-US" altLang="zh-CN" dirty="0"/>
+                <a:t> part library:</a:t>
+              </a:r>
+            </a:p>
+            <a:p>
+              <a:pPr algn="ctr"/>
+              <a:endParaRPr lang="en-US" altLang="zh-CN" dirty="0"/>
+            </a:p>
+            <a:p>
+              <a:pPr algn="ctr"/>
+              <a:r>
+                <a:rPr lang="en-US" altLang="zh-CN" dirty="0"/>
+                <a:t>GCModeller, </a:t>
+              </a:r>
+              <a:r>
+                <a:rPr lang="en-US" altLang="zh-CN" dirty="0" err="1"/>
+                <a:t>MZKit</a:t>
+              </a:r>
+              <a:r>
+                <a:rPr lang="en-US" altLang="zh-CN" dirty="0"/>
+                <a:t>, </a:t>
+              </a:r>
+              <a:r>
+                <a:rPr lang="en-US" altLang="zh-CN" dirty="0" err="1" smtClean="0"/>
+                <a:t>ggplot</a:t>
+              </a:r>
+              <a:endParaRPr lang="en-US" dirty="0"/>
+            </a:p>
+          </p:txBody>
+        </p:sp>
+        <p:graphicFrame>
+          <p:nvGraphicFramePr>
+            <p:cNvPr id="8" name="Diagram 7"/>
+            <p:cNvGraphicFramePr/>
+            <p:nvPr>
+              <p:extLst>
+                <p:ext uri="{D42A27DB-BD31-4B8C-83A1-F6EECF244321}">
+                  <p14:modId xmlns:p14="http://schemas.microsoft.com/office/powerpoint/2010/main" val="2901554064"/>
+                </p:ext>
+              </p:extLst>
+            </p:nvPr>
+          </p:nvGraphicFramePr>
+          <p:xfrm>
+            <a:off x="519093" y="1854028"/>
+            <a:ext cx="4844995" cy="2295052"/>
+          </p:xfrm>
+          <a:graphic>
+            <a:graphicData uri="http://schemas.openxmlformats.org/drawingml/2006/diagram">
+              <dgm:relIds xmlns:dgm="http://schemas.openxmlformats.org/drawingml/2006/diagram" xmlns:r="http://schemas.openxmlformats.org/officeDocument/2006/relationships" r:dm="rId2" r:lo="rId3" r:qs="rId4" r:cs="rId5"/>
+            </a:graphicData>
+          </a:graphic>
+        </p:graphicFrame>
+        <p:sp>
+          <p:nvSpPr>
+            <p:cNvPr id="10" name="Flowchart: Terminator 9"/>
+            <p:cNvSpPr/>
+            <p:nvPr/>
+          </p:nvSpPr>
+          <p:spPr>
+            <a:xfrm>
+              <a:off x="3347864" y="4293096"/>
+              <a:ext cx="2016224" cy="734694"/>
+            </a:xfrm>
+            <a:prstGeom prst="flowChartTerminator">
+              <a:avLst/>
+            </a:prstGeom>
+          </p:spPr>
+          <p:style>
+            <a:lnRef idx="1">
+              <a:schemeClr val="accent2"/>
+            </a:lnRef>
+            <a:fillRef idx="3">
+              <a:schemeClr val="accent2"/>
+            </a:fillRef>
+            <a:effectRef idx="2">
+              <a:schemeClr val="accent2"/>
+            </a:effectRef>
+            <a:fontRef idx="minor">
+              <a:schemeClr val="lt1"/>
+            </a:fontRef>
+          </p:style>
+          <p:txBody>
+            <a:bodyPr rtlCol="0" anchor="ctr"/>
+            <a:lstStyle/>
+            <a:p>
+              <a:pPr algn="ctr"/>
+              <a:r>
+                <a:rPr lang="en-US" dirty="0" smtClean="0"/>
+                <a:t>R# Interpreter</a:t>
+              </a:r>
+              <a:endParaRPr lang="en-US" dirty="0"/>
+            </a:p>
+          </p:txBody>
+        </p:sp>
+        <p:sp>
+          <p:nvSpPr>
+            <p:cNvPr id="11" name="Right Arrow 10"/>
+            <p:cNvSpPr/>
+            <p:nvPr/>
+          </p:nvSpPr>
+          <p:spPr>
+            <a:xfrm>
+              <a:off x="5580112" y="3429000"/>
+              <a:ext cx="2736304" cy="648072"/>
+            </a:xfrm>
+            <a:prstGeom prst="rightArrow">
+              <a:avLst/>
+            </a:prstGeom>
+          </p:spPr>
+          <p:style>
+            <a:lnRef idx="1">
+              <a:schemeClr val="accent4"/>
+            </a:lnRef>
+            <a:fillRef idx="3">
+              <a:schemeClr val="accent4"/>
+            </a:fillRef>
+            <a:effectRef idx="2">
+              <a:schemeClr val="accent4"/>
+            </a:effectRef>
+            <a:fontRef idx="minor">
+              <a:schemeClr val="lt1"/>
+            </a:fontRef>
+          </p:style>
+          <p:txBody>
+            <a:bodyPr rtlCol="0" anchor="ctr"/>
+            <a:lstStyle/>
+            <a:p>
+              <a:pPr algn="ctr"/>
+              <a:endParaRPr lang="en-US"/>
+            </a:p>
+          </p:txBody>
+        </p:sp>
+        <p:sp>
+          <p:nvSpPr>
+            <p:cNvPr id="12" name="TextBox 11"/>
+            <p:cNvSpPr txBox="1"/>
+            <p:nvPr/>
+          </p:nvSpPr>
+          <p:spPr>
+            <a:xfrm>
+              <a:off x="5508104" y="3140968"/>
+              <a:ext cx="2476384" cy="369332"/>
+            </a:xfrm>
+            <a:prstGeom prst="rect">
+              <a:avLst/>
+            </a:prstGeom>
+            <a:noFill/>
+          </p:spPr>
+          <p:txBody>
+            <a:bodyPr wrap="none" rtlCol="0">
+              <a:spAutoFit/>
+            </a:bodyPr>
+            <a:lstStyle/>
+            <a:p>
+              <a:r>
+                <a:rPr lang="en-US" dirty="0" smtClean="0"/>
+                <a:t>Evaluated as .NET object</a:t>
+              </a:r>
+              <a:endParaRPr lang="en-US" dirty="0"/>
+            </a:p>
+          </p:txBody>
+        </p:sp>
+      </p:grpSp>
+    </p:spTree>
+    <p:extLst>
+      <p:ext uri="{BB962C8B-B14F-4D97-AF65-F5344CB8AC3E}">
+        <p14:creationId xmlns:p14="http://schemas.microsoft.com/office/powerpoint/2010/main" val="2753179680"/>
+      </p:ext>
+    </p:extLst>
+  </p:cSld>
+  <p:clrMapOvr>
+    <a:masterClrMapping/>
+  </p:clrMapOvr>
+</p:sld>
+</file>
+
 <file path=ppt/theme/theme1.xml><?xml version="1.0" encoding="utf-8"?>
 <a:theme xmlns:a="http://schemas.openxmlformats.org/drawingml/2006/main" name="Office 主题">
   <a:themeElements>
